--- a/Fig.1.2.3.pptx
+++ b/Fig.1.2.3.pptx
@@ -5,12 +5,13 @@
     <p:sldMasterId id="2147483648" r:id="rId1"/>
   </p:sldMasterIdLst>
   <p:notesMasterIdLst>
-    <p:notesMasterId r:id="rId5"/>
+    <p:notesMasterId r:id="rId6"/>
   </p:notesMasterIdLst>
   <p:sldIdLst>
     <p:sldId id="256" r:id="rId2"/>
     <p:sldId id="258" r:id="rId3"/>
     <p:sldId id="257" r:id="rId4"/>
+    <p:sldId id="259" r:id="rId5"/>
   </p:sldIdLst>
   <p:sldSz cx="12192000" cy="6858000"/>
   <p:notesSz cx="6858000" cy="9144000"/>
@@ -199,7 +200,7 @@
           <a:p>
             <a:fld id="{5D2B8DBE-6502-419E-9328-DB7C31051336}" type="datetimeFigureOut">
               <a:rPr lang="zh-CN" altLang="en-US" smtClean="0"/>
-              <a:t>2015/12/19</a:t>
+              <a:t>2015/12/22</a:t>
             </a:fld>
             <a:endParaRPr lang="zh-CN" altLang="en-US"/>
           </a:p>
@@ -511,6 +512,94 @@
           <a:bodyPr/>
           <a:lstStyle/>
           <a:p>
+            <a:r>
+              <a:rPr lang="zh-CN" altLang="en-US" dirty="0" smtClean="0"/>
+              <a:t>对齐</a:t>
+            </a:r>
+            <a:endParaRPr lang="zh-CN" altLang="en-US" dirty="0"/>
+          </a:p>
+        </p:txBody>
+      </p:sp>
+      <p:sp>
+        <p:nvSpPr>
+          <p:cNvPr id="4" name="灯片编号占位符 3"/>
+          <p:cNvSpPr>
+            <a:spLocks noGrp="1"/>
+          </p:cNvSpPr>
+          <p:nvPr>
+            <p:ph type="sldNum" sz="quarter" idx="10"/>
+          </p:nvPr>
+        </p:nvSpPr>
+        <p:spPr/>
+        <p:txBody>
+          <a:bodyPr/>
+          <a:lstStyle/>
+          <a:p>
+            <a:fld id="{1F27A141-E6AD-429E-9023-D187FB199FD1}" type="slidenum">
+              <a:rPr lang="zh-CN" altLang="en-US" smtClean="0"/>
+              <a:t>1</a:t>
+            </a:fld>
+            <a:endParaRPr lang="zh-CN" altLang="en-US"/>
+          </a:p>
+        </p:txBody>
+      </p:sp>
+    </p:spTree>
+    <p:extLst>
+      <p:ext uri="{BB962C8B-B14F-4D97-AF65-F5344CB8AC3E}">
+        <p14:creationId xmlns:p14="http://schemas.microsoft.com/office/powerpoint/2010/main" val="3561609882"/>
+      </p:ext>
+    </p:extLst>
+  </p:cSld>
+  <p:clrMapOvr>
+    <a:masterClrMapping/>
+  </p:clrMapOvr>
+</p:notes>
+</file>
+
+<file path=ppt/notesSlides/notesSlide2.xml><?xml version="1.0" encoding="utf-8"?>
+<p:notes xmlns:a="http://schemas.openxmlformats.org/drawingml/2006/main" xmlns:r="http://schemas.openxmlformats.org/officeDocument/2006/relationships" xmlns:p="http://schemas.openxmlformats.org/presentationml/2006/main">
+  <p:cSld>
+    <p:spTree>
+      <p:nvGrpSpPr>
+        <p:cNvPr id="1" name=""/>
+        <p:cNvGrpSpPr/>
+        <p:nvPr/>
+      </p:nvGrpSpPr>
+      <p:grpSpPr>
+        <a:xfrm>
+          <a:off x="0" y="0"/>
+          <a:ext cx="0" cy="0"/>
+          <a:chOff x="0" y="0"/>
+          <a:chExt cx="0" cy="0"/>
+        </a:xfrm>
+      </p:grpSpPr>
+      <p:sp>
+        <p:nvSpPr>
+          <p:cNvPr id="2" name="幻灯片图像占位符 1"/>
+          <p:cNvSpPr>
+            <a:spLocks noGrp="1" noRot="1" noChangeAspect="1"/>
+          </p:cNvSpPr>
+          <p:nvPr>
+            <p:ph type="sldImg"/>
+          </p:nvPr>
+        </p:nvSpPr>
+        <p:spPr/>
+      </p:sp>
+      <p:sp>
+        <p:nvSpPr>
+          <p:cNvPr id="3" name="备注占位符 2"/>
+          <p:cNvSpPr>
+            <a:spLocks noGrp="1"/>
+          </p:cNvSpPr>
+          <p:nvPr>
+            <p:ph type="body" idx="1"/>
+          </p:nvPr>
+        </p:nvSpPr>
+        <p:spPr/>
+        <p:txBody>
+          <a:bodyPr/>
+          <a:lstStyle/>
+          <a:p>
             <a:endParaRPr lang="zh-CN" altLang="en-US" dirty="0"/>
           </a:p>
         </p:txBody>
@@ -682,7 +771,7 @@
           <a:p>
             <a:fld id="{95144313-C756-4C93-8F55-DFEA190D56AA}" type="datetimeFigureOut">
               <a:rPr lang="zh-CN" altLang="en-US" smtClean="0"/>
-              <a:t>2015/12/19</a:t>
+              <a:t>2015/12/22</a:t>
             </a:fld>
             <a:endParaRPr lang="zh-CN" altLang="en-US"/>
           </a:p>
@@ -852,7 +941,7 @@
           <a:p>
             <a:fld id="{95144313-C756-4C93-8F55-DFEA190D56AA}" type="datetimeFigureOut">
               <a:rPr lang="zh-CN" altLang="en-US" smtClean="0"/>
-              <a:t>2015/12/19</a:t>
+              <a:t>2015/12/22</a:t>
             </a:fld>
             <a:endParaRPr lang="zh-CN" altLang="en-US"/>
           </a:p>
@@ -1032,7 +1121,7 @@
           <a:p>
             <a:fld id="{95144313-C756-4C93-8F55-DFEA190D56AA}" type="datetimeFigureOut">
               <a:rPr lang="zh-CN" altLang="en-US" smtClean="0"/>
-              <a:t>2015/12/19</a:t>
+              <a:t>2015/12/22</a:t>
             </a:fld>
             <a:endParaRPr lang="zh-CN" altLang="en-US"/>
           </a:p>
@@ -1202,7 +1291,7 @@
           <a:p>
             <a:fld id="{95144313-C756-4C93-8F55-DFEA190D56AA}" type="datetimeFigureOut">
               <a:rPr lang="zh-CN" altLang="en-US" smtClean="0"/>
-              <a:t>2015/12/19</a:t>
+              <a:t>2015/12/22</a:t>
             </a:fld>
             <a:endParaRPr lang="zh-CN" altLang="en-US"/>
           </a:p>
@@ -1448,7 +1537,7 @@
           <a:p>
             <a:fld id="{95144313-C756-4C93-8F55-DFEA190D56AA}" type="datetimeFigureOut">
               <a:rPr lang="zh-CN" altLang="en-US" smtClean="0"/>
-              <a:t>2015/12/19</a:t>
+              <a:t>2015/12/22</a:t>
             </a:fld>
             <a:endParaRPr lang="zh-CN" altLang="en-US"/>
           </a:p>
@@ -1680,7 +1769,7 @@
           <a:p>
             <a:fld id="{95144313-C756-4C93-8F55-DFEA190D56AA}" type="datetimeFigureOut">
               <a:rPr lang="zh-CN" altLang="en-US" smtClean="0"/>
-              <a:t>2015/12/19</a:t>
+              <a:t>2015/12/22</a:t>
             </a:fld>
             <a:endParaRPr lang="zh-CN" altLang="en-US"/>
           </a:p>
@@ -2047,7 +2136,7 @@
           <a:p>
             <a:fld id="{95144313-C756-4C93-8F55-DFEA190D56AA}" type="datetimeFigureOut">
               <a:rPr lang="zh-CN" altLang="en-US" smtClean="0"/>
-              <a:t>2015/12/19</a:t>
+              <a:t>2015/12/22</a:t>
             </a:fld>
             <a:endParaRPr lang="zh-CN" altLang="en-US"/>
           </a:p>
@@ -2165,7 +2254,7 @@
           <a:p>
             <a:fld id="{95144313-C756-4C93-8F55-DFEA190D56AA}" type="datetimeFigureOut">
               <a:rPr lang="zh-CN" altLang="en-US" smtClean="0"/>
-              <a:t>2015/12/19</a:t>
+              <a:t>2015/12/22</a:t>
             </a:fld>
             <a:endParaRPr lang="zh-CN" altLang="en-US"/>
           </a:p>
@@ -2260,7 +2349,7 @@
           <a:p>
             <a:fld id="{95144313-C756-4C93-8F55-DFEA190D56AA}" type="datetimeFigureOut">
               <a:rPr lang="zh-CN" altLang="en-US" smtClean="0"/>
-              <a:t>2015/12/19</a:t>
+              <a:t>2015/12/22</a:t>
             </a:fld>
             <a:endParaRPr lang="zh-CN" altLang="en-US"/>
           </a:p>
@@ -2537,7 +2626,7 @@
           <a:p>
             <a:fld id="{95144313-C756-4C93-8F55-DFEA190D56AA}" type="datetimeFigureOut">
               <a:rPr lang="zh-CN" altLang="en-US" smtClean="0"/>
-              <a:t>2015/12/19</a:t>
+              <a:t>2015/12/22</a:t>
             </a:fld>
             <a:endParaRPr lang="zh-CN" altLang="en-US"/>
           </a:p>
@@ -2790,7 +2879,7 @@
           <a:p>
             <a:fld id="{95144313-C756-4C93-8F55-DFEA190D56AA}" type="datetimeFigureOut">
               <a:rPr lang="zh-CN" altLang="en-US" smtClean="0"/>
-              <a:t>2015/12/19</a:t>
+              <a:t>2015/12/22</a:t>
             </a:fld>
             <a:endParaRPr lang="zh-CN" altLang="en-US"/>
           </a:p>
@@ -3003,7 +3092,7 @@
           <a:p>
             <a:fld id="{95144313-C756-4C93-8F55-DFEA190D56AA}" type="datetimeFigureOut">
               <a:rPr lang="zh-CN" altLang="en-US" smtClean="0"/>
-              <a:t>2015/12/19</a:t>
+              <a:t>2015/12/22</a:t>
             </a:fld>
             <a:endParaRPr lang="zh-CN" altLang="en-US"/>
           </a:p>
@@ -5546,10 +5635,10 @@
         </p:nvGrpSpPr>
         <p:grpSpPr>
           <a:xfrm>
-            <a:off x="6409305" y="2912074"/>
-            <a:ext cx="4673600" cy="1736462"/>
-            <a:chOff x="7152640" y="3448454"/>
-            <a:chExt cx="4673600" cy="1736462"/>
+            <a:off x="6409305" y="3185582"/>
+            <a:ext cx="5179920" cy="1341831"/>
+            <a:chOff x="7152640" y="3721962"/>
+            <a:chExt cx="5179920" cy="1341831"/>
           </a:xfrm>
         </p:grpSpPr>
         <p:sp>
@@ -5608,10 +5697,10 @@
           </p:nvGrpSpPr>
           <p:grpSpPr>
             <a:xfrm>
-              <a:off x="8768080" y="3448454"/>
-              <a:ext cx="3058160" cy="1736462"/>
-              <a:chOff x="8768080" y="3448454"/>
-              <a:chExt cx="3058160" cy="1736462"/>
+              <a:off x="8768080" y="3721962"/>
+              <a:ext cx="3564480" cy="1341831"/>
+              <a:chOff x="8768080" y="3721962"/>
+              <a:chExt cx="3564480" cy="1341831"/>
             </a:xfrm>
           </p:grpSpPr>
           <p:sp>
@@ -5622,8 +5711,8 @@
             </p:nvSpPr>
             <p:spPr>
               <a:xfrm>
-                <a:off x="9560560" y="3448454"/>
-                <a:ext cx="1615440" cy="646331"/>
+                <a:off x="9560560" y="3721962"/>
+                <a:ext cx="2772000" cy="369332"/>
               </a:xfrm>
               <a:prstGeom prst="rect">
                 <a:avLst/>
@@ -5665,8 +5754,8 @@
             </p:nvCxnSpPr>
             <p:spPr>
               <a:xfrm flipV="1">
-                <a:off x="8768080" y="3771620"/>
-                <a:ext cx="792480" cy="618538"/>
+                <a:off x="8768080" y="3906628"/>
+                <a:ext cx="792480" cy="483530"/>
               </a:xfrm>
               <a:prstGeom prst="bentConnector3">
                 <a:avLst>
@@ -5703,7 +5792,7 @@
             <p:spPr>
               <a:xfrm flipV="1">
                 <a:off x="8778240" y="4396607"/>
-                <a:ext cx="782320" cy="9269"/>
+                <a:ext cx="782320" cy="9270"/>
               </a:xfrm>
               <a:prstGeom prst="straightConnector1">
                 <a:avLst/>
@@ -5739,7 +5828,7 @@
             <p:spPr>
               <a:xfrm>
                 <a:off x="8768080" y="4390158"/>
-                <a:ext cx="792480" cy="610092"/>
+                <a:ext cx="792480" cy="493635"/>
               </a:xfrm>
               <a:prstGeom prst="bentConnector3">
                 <a:avLst>
@@ -5774,7 +5863,7 @@
             <p:spPr>
               <a:xfrm>
                 <a:off x="9560560" y="4211941"/>
-                <a:ext cx="2265680" cy="369332"/>
+                <a:ext cx="2772000" cy="369332"/>
               </a:xfrm>
               <a:prstGeom prst="rect">
                 <a:avLst/>
@@ -5794,6 +5883,7 @@
               </a:bodyPr>
               <a:lstStyle/>
               <a:p>
+                <a:pPr algn="ctr"/>
                 <a:r>
                   <a:rPr lang="en-US" altLang="zh-CN" dirty="0" smtClean="0"/>
                   <a:t>Clus</a:t>
@@ -5818,8 +5908,8 @@
             </p:nvSpPr>
             <p:spPr>
               <a:xfrm>
-                <a:off x="9560560" y="4815584"/>
-                <a:ext cx="1381760" cy="369332"/>
+                <a:off x="9560560" y="4703793"/>
+                <a:ext cx="2772000" cy="360000"/>
               </a:xfrm>
               <a:prstGeom prst="rect">
                 <a:avLst/>
@@ -5842,6 +5932,7 @@
               </a:bodyPr>
               <a:lstStyle/>
               <a:p>
+                <a:pPr algn="ctr"/>
                 <a:r>
                   <a:rPr lang="en-US" altLang="zh-CN" dirty="0" smtClean="0"/>
                   <a:t>Modularity</a:t>
@@ -5898,6 +5989,7 @@
             </a:bodyPr>
             <a:lstStyle/>
             <a:p>
+              <a:pPr algn="ctr"/>
               <a:r>
                 <a:rPr lang="en-US" altLang="zh-CN" sz="1600" dirty="0" smtClean="0"/>
                 <a:t>Eigenvector Centrality</a:t>
@@ -5915,9 +6007,9 @@
           <p:grpSpPr>
             <a:xfrm>
               <a:off x="6126480" y="4560591"/>
-              <a:ext cx="5925449" cy="2065614"/>
+              <a:ext cx="5925449" cy="2065613"/>
               <a:chOff x="6126480" y="4560591"/>
-              <a:chExt cx="5925449" cy="2065614"/>
+              <a:chExt cx="5925449" cy="2065613"/>
             </a:xfrm>
           </p:grpSpPr>
           <p:sp>
@@ -5977,7 +6069,7 @@
             <p:spPr>
               <a:xfrm>
                 <a:off x="8043561" y="5105321"/>
-                <a:ext cx="2580640" cy="380950"/>
+                <a:ext cx="2389256" cy="380949"/>
               </a:xfrm>
               <a:prstGeom prst="rect">
                 <a:avLst/>
@@ -6014,7 +6106,7 @@
             <p:spPr>
               <a:xfrm>
                 <a:off x="8053721" y="4560591"/>
-                <a:ext cx="1970926" cy="380950"/>
+                <a:ext cx="2389256" cy="380949"/>
               </a:xfrm>
               <a:prstGeom prst="rect">
                 <a:avLst/>
@@ -6037,6 +6129,7 @@
               </a:bodyPr>
               <a:lstStyle/>
               <a:p>
+                <a:pPr algn="ctr"/>
                 <a:r>
                   <a:rPr lang="en-US" altLang="zh-CN" sz="1600" dirty="0" smtClean="0"/>
                   <a:t>Nodal Efficiency</a:t>
@@ -6053,8 +6146,8 @@
             </p:nvSpPr>
             <p:spPr>
               <a:xfrm>
-                <a:off x="7952740" y="5999181"/>
-                <a:ext cx="1223910" cy="369332"/>
+                <a:off x="8038365" y="5999181"/>
+                <a:ext cx="1175666" cy="369332"/>
               </a:xfrm>
               <a:prstGeom prst="rect">
                 <a:avLst/>
@@ -6096,8 +6189,8 @@
             </p:nvCxnSpPr>
             <p:spPr>
               <a:xfrm>
-                <a:off x="7731760" y="5284907"/>
-                <a:ext cx="311801" cy="10889"/>
+                <a:off x="7731760" y="5284906"/>
+                <a:ext cx="311801" cy="10890"/>
               </a:xfrm>
               <a:prstGeom prst="straightConnector1">
                 <a:avLst/>
@@ -6137,7 +6230,7 @@
               </a:xfrm>
               <a:prstGeom prst="bentConnector3">
                 <a:avLst>
-                  <a:gd name="adj1" fmla="val 33378"/>
+                  <a:gd name="adj1" fmla="val 50000"/>
                 </a:avLst>
               </a:prstGeom>
               <a:ln w="28575">
@@ -6171,7 +6264,7 @@
             <p:spPr>
               <a:xfrm>
                 <a:off x="7731760" y="5284906"/>
-                <a:ext cx="220980" cy="898941"/>
+                <a:ext cx="306605" cy="898941"/>
               </a:xfrm>
               <a:prstGeom prst="bentConnector3">
                 <a:avLst>
@@ -6205,8 +6298,8 @@
             </p:nvSpPr>
             <p:spPr>
               <a:xfrm>
-                <a:off x="9558020" y="5532872"/>
-                <a:ext cx="1970926" cy="380950"/>
+                <a:off x="9558020" y="5557088"/>
+                <a:ext cx="2469182" cy="380949"/>
               </a:xfrm>
               <a:prstGeom prst="rect">
                 <a:avLst/>
@@ -6226,6 +6319,7 @@
               </a:bodyPr>
               <a:lstStyle/>
               <a:p>
+                <a:pPr algn="ctr"/>
                 <a:r>
                   <a:rPr lang="en-US" altLang="zh-CN" sz="1600" dirty="0" smtClean="0"/>
                   <a:t>Degree Centrality</a:t>
@@ -6266,6 +6360,7 @@
               </a:bodyPr>
               <a:lstStyle/>
               <a:p>
+                <a:pPr algn="ctr"/>
                 <a:r>
                   <a:rPr lang="en-US" altLang="zh-CN" sz="1600" dirty="0" err="1" smtClean="0"/>
                   <a:t>Betweenness</a:t>
@@ -6289,12 +6384,12 @@
             </p:nvCxnSpPr>
             <p:spPr>
               <a:xfrm>
-                <a:off x="9176650" y="6183847"/>
-                <a:ext cx="409311" cy="442358"/>
+                <a:off x="9214031" y="6183848"/>
+                <a:ext cx="371930" cy="442356"/>
               </a:xfrm>
               <a:prstGeom prst="bentConnector3">
                 <a:avLst>
-                  <a:gd name="adj1" fmla="val 50000"/>
+                  <a:gd name="adj1" fmla="val 44245"/>
                 </a:avLst>
               </a:prstGeom>
               <a:ln w="28575">
@@ -6327,8 +6422,8 @@
             </p:nvCxnSpPr>
             <p:spPr>
               <a:xfrm>
-                <a:off x="9176650" y="6183847"/>
-                <a:ext cx="391161" cy="7834"/>
+                <a:off x="9214031" y="6183848"/>
+                <a:ext cx="353780" cy="7833"/>
               </a:xfrm>
               <a:prstGeom prst="straightConnector1">
                 <a:avLst/>
@@ -6363,8 +6458,8 @@
             </p:nvCxnSpPr>
             <p:spPr>
               <a:xfrm flipV="1">
-                <a:off x="9176650" y="5723347"/>
-                <a:ext cx="381370" cy="460500"/>
+                <a:off x="9214031" y="5747563"/>
+                <a:ext cx="343989" cy="436285"/>
               </a:xfrm>
               <a:prstGeom prst="bentConnector3">
                 <a:avLst>
@@ -7489,6 +7584,1579 @@
 </p:sld>
 </file>
 
+<file path=ppt/slides/slide4.xml><?xml version="1.0" encoding="utf-8"?>
+<p:sld xmlns:a="http://schemas.openxmlformats.org/drawingml/2006/main" xmlns:r="http://schemas.openxmlformats.org/officeDocument/2006/relationships" xmlns:p="http://schemas.openxmlformats.org/presentationml/2006/main">
+  <p:cSld>
+    <p:spTree>
+      <p:nvGrpSpPr>
+        <p:cNvPr id="1" name=""/>
+        <p:cNvGrpSpPr/>
+        <p:nvPr/>
+      </p:nvGrpSpPr>
+      <p:grpSpPr>
+        <a:xfrm>
+          <a:off x="0" y="0"/>
+          <a:ext cx="0" cy="0"/>
+          <a:chOff x="0" y="0"/>
+          <a:chExt cx="0" cy="0"/>
+        </a:xfrm>
+      </p:grpSpPr>
+      <p:graphicFrame>
+        <p:nvGraphicFramePr>
+          <p:cNvPr id="5" name="表格 4"/>
+          <p:cNvGraphicFramePr>
+            <a:graphicFrameLocks noGrp="1"/>
+          </p:cNvGraphicFramePr>
+          <p:nvPr>
+            <p:extLst>
+              <p:ext uri="{D42A27DB-BD31-4B8C-83A1-F6EECF244321}">
+                <p14:modId xmlns:p14="http://schemas.microsoft.com/office/powerpoint/2010/main" val="69840219"/>
+              </p:ext>
+            </p:extLst>
+          </p:nvPr>
+        </p:nvGraphicFramePr>
+        <p:xfrm>
+          <a:off x="2001520" y="252306"/>
+          <a:ext cx="8128001" cy="6304280"/>
+        </p:xfrm>
+        <a:graphic>
+          <a:graphicData uri="http://schemas.openxmlformats.org/drawingml/2006/table">
+            <a:tbl>
+              <a:tblPr firstRow="1" bandRow="1">
+                <a:tableStyleId>{5C22544A-7EE6-4342-B048-85BDC9FD1C3A}</a:tableStyleId>
+              </a:tblPr>
+              <a:tblGrid>
+                <a:gridCol w="1161143">
+                  <a:extLst>
+                    <a:ext uri="{9D8B030D-6E8A-4147-A177-3AD203B41FA5}">
+                      <a16:colId xmlns:a16="http://schemas.microsoft.com/office/drawing/2014/main" val="68838624"/>
+                    </a:ext>
+                  </a:extLst>
+                </a:gridCol>
+                <a:gridCol w="1161143">
+                  <a:extLst>
+                    <a:ext uri="{9D8B030D-6E8A-4147-A177-3AD203B41FA5}">
+                      <a16:colId xmlns:a16="http://schemas.microsoft.com/office/drawing/2014/main" val="4294840707"/>
+                    </a:ext>
+                  </a:extLst>
+                </a:gridCol>
+                <a:gridCol w="1161143">
+                  <a:extLst>
+                    <a:ext uri="{9D8B030D-6E8A-4147-A177-3AD203B41FA5}">
+                      <a16:colId xmlns:a16="http://schemas.microsoft.com/office/drawing/2014/main" val="178266215"/>
+                    </a:ext>
+                  </a:extLst>
+                </a:gridCol>
+                <a:gridCol w="1161143">
+                  <a:extLst>
+                    <a:ext uri="{9D8B030D-6E8A-4147-A177-3AD203B41FA5}">
+                      <a16:colId xmlns:a16="http://schemas.microsoft.com/office/drawing/2014/main" val="3903927293"/>
+                    </a:ext>
+                  </a:extLst>
+                </a:gridCol>
+                <a:gridCol w="1161143">
+                  <a:extLst>
+                    <a:ext uri="{9D8B030D-6E8A-4147-A177-3AD203B41FA5}">
+                      <a16:colId xmlns:a16="http://schemas.microsoft.com/office/drawing/2014/main" val="3560391976"/>
+                    </a:ext>
+                  </a:extLst>
+                </a:gridCol>
+                <a:gridCol w="1161143">
+                  <a:extLst>
+                    <a:ext uri="{9D8B030D-6E8A-4147-A177-3AD203B41FA5}">
+                      <a16:colId xmlns:a16="http://schemas.microsoft.com/office/drawing/2014/main" val="2374508118"/>
+                    </a:ext>
+                  </a:extLst>
+                </a:gridCol>
+                <a:gridCol w="1161143">
+                  <a:extLst>
+                    <a:ext uri="{9D8B030D-6E8A-4147-A177-3AD203B41FA5}">
+                      <a16:colId xmlns:a16="http://schemas.microsoft.com/office/drawing/2014/main" val="2033222268"/>
+                    </a:ext>
+                  </a:extLst>
+                </a:gridCol>
+              </a:tblGrid>
+              <a:tr h="370840">
+                <a:tc>
+                  <a:txBody>
+                    <a:bodyPr/>
+                    <a:lstStyle/>
+                    <a:p>
+                      <a:pPr algn="ctr"/>
+                      <a:endParaRPr lang="zh-CN" altLang="en-US" dirty="0"/>
+                    </a:p>
+                  </a:txBody>
+                  <a:tcPr/>
+                </a:tc>
+                <a:tc gridSpan="3">
+                  <a:txBody>
+                    <a:bodyPr/>
+                    <a:lstStyle/>
+                    <a:p>
+                      <a:pPr algn="ctr"/>
+                      <a:r>
+                        <a:rPr lang="en-US" altLang="zh-CN" dirty="0" smtClean="0"/>
+                        <a:t>Unweighted Network</a:t>
+                      </a:r>
+                      <a:endParaRPr lang="zh-CN" altLang="en-US" dirty="0"/>
+                    </a:p>
+                  </a:txBody>
+                  <a:tcPr/>
+                </a:tc>
+                <a:tc hMerge="1">
+                  <a:txBody>
+                    <a:bodyPr/>
+                    <a:lstStyle/>
+                    <a:p>
+                      <a:pPr algn="ctr"/>
+                      <a:endParaRPr lang="zh-CN" altLang="en-US" dirty="0"/>
+                    </a:p>
+                  </a:txBody>
+                  <a:tcPr/>
+                </a:tc>
+                <a:tc hMerge="1">
+                  <a:txBody>
+                    <a:bodyPr/>
+                    <a:lstStyle/>
+                    <a:p>
+                      <a:pPr algn="ctr"/>
+                      <a:endParaRPr lang="zh-CN" altLang="en-US" dirty="0"/>
+                    </a:p>
+                  </a:txBody>
+                  <a:tcPr/>
+                </a:tc>
+                <a:tc gridSpan="3">
+                  <a:txBody>
+                    <a:bodyPr/>
+                    <a:lstStyle/>
+                    <a:p>
+                      <a:pPr algn="ctr"/>
+                      <a:r>
+                        <a:rPr lang="en-US" altLang="zh-CN" dirty="0" smtClean="0"/>
+                        <a:t>Weighted Network</a:t>
+                      </a:r>
+                      <a:endParaRPr lang="zh-CN" altLang="en-US" dirty="0"/>
+                    </a:p>
+                  </a:txBody>
+                  <a:tcPr/>
+                </a:tc>
+                <a:tc hMerge="1">
+                  <a:txBody>
+                    <a:bodyPr/>
+                    <a:lstStyle/>
+                    <a:p>
+                      <a:pPr algn="ctr"/>
+                      <a:endParaRPr lang="zh-CN" altLang="en-US" dirty="0"/>
+                    </a:p>
+                  </a:txBody>
+                  <a:tcPr/>
+                </a:tc>
+                <a:tc hMerge="1">
+                  <a:txBody>
+                    <a:bodyPr/>
+                    <a:lstStyle/>
+                    <a:p>
+                      <a:pPr algn="ctr"/>
+                      <a:endParaRPr lang="zh-CN" altLang="en-US" dirty="0"/>
+                    </a:p>
+                  </a:txBody>
+                  <a:tcPr/>
+                </a:tc>
+                <a:extLst>
+                  <a:ext uri="{0D108BD9-81ED-4DB2-BD59-A6C34878D82A}">
+                    <a16:rowId xmlns:a16="http://schemas.microsoft.com/office/drawing/2014/main" val="4051597635"/>
+                  </a:ext>
+                </a:extLst>
+              </a:tr>
+              <a:tr h="370840">
+                <a:tc>
+                  <a:txBody>
+                    <a:bodyPr/>
+                    <a:lstStyle/>
+                    <a:p>
+                      <a:pPr algn="ctr"/>
+                      <a:r>
+                        <a:rPr lang="en-US" altLang="zh-CN" dirty="0" smtClean="0"/>
+                        <a:t>Sparsity</a:t>
+                      </a:r>
+                      <a:endParaRPr lang="zh-CN" altLang="en-US" dirty="0"/>
+                    </a:p>
+                  </a:txBody>
+                  <a:tcPr/>
+                </a:tc>
+                <a:tc>
+                  <a:txBody>
+                    <a:bodyPr/>
+                    <a:lstStyle/>
+                    <a:p>
+                      <a:pPr algn="ctr"/>
+                      <a:r>
+                        <a:rPr lang="en-US" altLang="zh-CN" dirty="0" smtClean="0"/>
+                        <a:t>1%</a:t>
+                      </a:r>
+                      <a:endParaRPr lang="zh-CN" altLang="en-US" dirty="0"/>
+                    </a:p>
+                  </a:txBody>
+                  <a:tcPr/>
+                </a:tc>
+                <a:tc>
+                  <a:txBody>
+                    <a:bodyPr/>
+                    <a:lstStyle/>
+                    <a:p>
+                      <a:pPr algn="ctr"/>
+                      <a:r>
+                        <a:rPr lang="en-US" altLang="zh-CN" dirty="0" smtClean="0"/>
+                        <a:t>2%</a:t>
+                      </a:r>
+                      <a:endParaRPr lang="zh-CN" altLang="en-US" dirty="0"/>
+                    </a:p>
+                  </a:txBody>
+                  <a:tcPr/>
+                </a:tc>
+                <a:tc>
+                  <a:txBody>
+                    <a:bodyPr/>
+                    <a:lstStyle/>
+                    <a:p>
+                      <a:pPr algn="ctr"/>
+                      <a:r>
+                        <a:rPr lang="en-US" altLang="zh-CN" dirty="0" smtClean="0"/>
+                        <a:t>3%</a:t>
+                      </a:r>
+                      <a:endParaRPr lang="zh-CN" altLang="en-US" dirty="0"/>
+                    </a:p>
+                  </a:txBody>
+                  <a:tcPr/>
+                </a:tc>
+                <a:tc>
+                  <a:txBody>
+                    <a:bodyPr/>
+                    <a:lstStyle/>
+                    <a:p>
+                      <a:pPr algn="ctr"/>
+                      <a:r>
+                        <a:rPr lang="en-US" altLang="zh-CN" dirty="0" smtClean="0"/>
+                        <a:t>1%</a:t>
+                      </a:r>
+                      <a:endParaRPr lang="zh-CN" altLang="en-US" dirty="0"/>
+                    </a:p>
+                  </a:txBody>
+                  <a:tcPr/>
+                </a:tc>
+                <a:tc>
+                  <a:txBody>
+                    <a:bodyPr/>
+                    <a:lstStyle/>
+                    <a:p>
+                      <a:pPr algn="ctr"/>
+                      <a:r>
+                        <a:rPr lang="en-US" altLang="zh-CN" dirty="0" smtClean="0"/>
+                        <a:t>2%</a:t>
+                      </a:r>
+                      <a:endParaRPr lang="zh-CN" altLang="en-US" dirty="0"/>
+                    </a:p>
+                  </a:txBody>
+                  <a:tcPr/>
+                </a:tc>
+                <a:tc>
+                  <a:txBody>
+                    <a:bodyPr/>
+                    <a:lstStyle/>
+                    <a:p>
+                      <a:pPr algn="ctr"/>
+                      <a:r>
+                        <a:rPr lang="en-US" altLang="zh-CN" dirty="0" smtClean="0"/>
+                        <a:t>3%</a:t>
+                      </a:r>
+                      <a:endParaRPr lang="zh-CN" altLang="en-US" dirty="0"/>
+                    </a:p>
+                  </a:txBody>
+                  <a:tcPr/>
+                </a:tc>
+                <a:extLst>
+                  <a:ext uri="{0D108BD9-81ED-4DB2-BD59-A6C34878D82A}">
+                    <a16:rowId xmlns:a16="http://schemas.microsoft.com/office/drawing/2014/main" val="2023452913"/>
+                  </a:ext>
+                </a:extLst>
+              </a:tr>
+              <a:tr h="370840">
+                <a:tc>
+                  <a:txBody>
+                    <a:bodyPr/>
+                    <a:lstStyle/>
+                    <a:p>
+                      <a:pPr algn="ctr"/>
+                      <a:endParaRPr lang="zh-CN" altLang="en-US" dirty="0"/>
+                    </a:p>
+                  </a:txBody>
+                  <a:tcPr/>
+                </a:tc>
+                <a:tc>
+                  <a:txBody>
+                    <a:bodyPr/>
+                    <a:lstStyle/>
+                    <a:p>
+                      <a:pPr algn="ctr"/>
+                      <a:endParaRPr lang="zh-CN" altLang="en-US" dirty="0"/>
+                    </a:p>
+                  </a:txBody>
+                  <a:tcPr/>
+                </a:tc>
+                <a:tc>
+                  <a:txBody>
+                    <a:bodyPr/>
+                    <a:lstStyle/>
+                    <a:p>
+                      <a:pPr algn="ctr"/>
+                      <a:endParaRPr lang="zh-CN" altLang="en-US"/>
+                    </a:p>
+                  </a:txBody>
+                  <a:tcPr/>
+                </a:tc>
+                <a:tc>
+                  <a:txBody>
+                    <a:bodyPr/>
+                    <a:lstStyle/>
+                    <a:p>
+                      <a:pPr algn="ctr"/>
+                      <a:endParaRPr lang="zh-CN" altLang="en-US"/>
+                    </a:p>
+                  </a:txBody>
+                  <a:tcPr/>
+                </a:tc>
+                <a:tc>
+                  <a:txBody>
+                    <a:bodyPr/>
+                    <a:lstStyle/>
+                    <a:p>
+                      <a:pPr algn="ctr"/>
+                      <a:endParaRPr lang="zh-CN" altLang="en-US"/>
+                    </a:p>
+                  </a:txBody>
+                  <a:tcPr/>
+                </a:tc>
+                <a:tc>
+                  <a:txBody>
+                    <a:bodyPr/>
+                    <a:lstStyle/>
+                    <a:p>
+                      <a:pPr algn="ctr"/>
+                      <a:endParaRPr lang="zh-CN" altLang="en-US"/>
+                    </a:p>
+                  </a:txBody>
+                  <a:tcPr/>
+                </a:tc>
+                <a:tc>
+                  <a:txBody>
+                    <a:bodyPr/>
+                    <a:lstStyle/>
+                    <a:p>
+                      <a:pPr algn="ctr"/>
+                      <a:endParaRPr lang="zh-CN" altLang="en-US"/>
+                    </a:p>
+                  </a:txBody>
+                  <a:tcPr/>
+                </a:tc>
+                <a:extLst>
+                  <a:ext uri="{0D108BD9-81ED-4DB2-BD59-A6C34878D82A}">
+                    <a16:rowId xmlns:a16="http://schemas.microsoft.com/office/drawing/2014/main" val="3806388683"/>
+                  </a:ext>
+                </a:extLst>
+              </a:tr>
+              <a:tr h="370840">
+                <a:tc>
+                  <a:txBody>
+                    <a:bodyPr/>
+                    <a:lstStyle/>
+                    <a:p>
+                      <a:pPr algn="ctr"/>
+                      <a:endParaRPr lang="zh-CN" altLang="en-US"/>
+                    </a:p>
+                  </a:txBody>
+                  <a:tcPr/>
+                </a:tc>
+                <a:tc>
+                  <a:txBody>
+                    <a:bodyPr/>
+                    <a:lstStyle/>
+                    <a:p>
+                      <a:pPr algn="ctr"/>
+                      <a:endParaRPr lang="zh-CN" altLang="en-US" dirty="0"/>
+                    </a:p>
+                  </a:txBody>
+                  <a:tcPr/>
+                </a:tc>
+                <a:tc>
+                  <a:txBody>
+                    <a:bodyPr/>
+                    <a:lstStyle/>
+                    <a:p>
+                      <a:pPr algn="ctr"/>
+                      <a:endParaRPr lang="zh-CN" altLang="en-US"/>
+                    </a:p>
+                  </a:txBody>
+                  <a:tcPr/>
+                </a:tc>
+                <a:tc>
+                  <a:txBody>
+                    <a:bodyPr/>
+                    <a:lstStyle/>
+                    <a:p>
+                      <a:pPr algn="ctr"/>
+                      <a:endParaRPr lang="zh-CN" altLang="en-US"/>
+                    </a:p>
+                  </a:txBody>
+                  <a:tcPr/>
+                </a:tc>
+                <a:tc>
+                  <a:txBody>
+                    <a:bodyPr/>
+                    <a:lstStyle/>
+                    <a:p>
+                      <a:pPr algn="ctr"/>
+                      <a:endParaRPr lang="zh-CN" altLang="en-US"/>
+                    </a:p>
+                  </a:txBody>
+                  <a:tcPr/>
+                </a:tc>
+                <a:tc>
+                  <a:txBody>
+                    <a:bodyPr/>
+                    <a:lstStyle/>
+                    <a:p>
+                      <a:pPr algn="ctr"/>
+                      <a:endParaRPr lang="zh-CN" altLang="en-US"/>
+                    </a:p>
+                  </a:txBody>
+                  <a:tcPr/>
+                </a:tc>
+                <a:tc>
+                  <a:txBody>
+                    <a:bodyPr/>
+                    <a:lstStyle/>
+                    <a:p>
+                      <a:pPr algn="ctr"/>
+                      <a:endParaRPr lang="zh-CN" altLang="en-US"/>
+                    </a:p>
+                  </a:txBody>
+                  <a:tcPr/>
+                </a:tc>
+                <a:extLst>
+                  <a:ext uri="{0D108BD9-81ED-4DB2-BD59-A6C34878D82A}">
+                    <a16:rowId xmlns:a16="http://schemas.microsoft.com/office/drawing/2014/main" val="2496184053"/>
+                  </a:ext>
+                </a:extLst>
+              </a:tr>
+              <a:tr h="370840">
+                <a:tc>
+                  <a:txBody>
+                    <a:bodyPr/>
+                    <a:lstStyle/>
+                    <a:p>
+                      <a:pPr algn="ctr"/>
+                      <a:endParaRPr lang="zh-CN" altLang="en-US"/>
+                    </a:p>
+                  </a:txBody>
+                  <a:tcPr/>
+                </a:tc>
+                <a:tc>
+                  <a:txBody>
+                    <a:bodyPr/>
+                    <a:lstStyle/>
+                    <a:p>
+                      <a:pPr algn="ctr"/>
+                      <a:endParaRPr lang="zh-CN" altLang="en-US" dirty="0"/>
+                    </a:p>
+                  </a:txBody>
+                  <a:tcPr/>
+                </a:tc>
+                <a:tc>
+                  <a:txBody>
+                    <a:bodyPr/>
+                    <a:lstStyle/>
+                    <a:p>
+                      <a:pPr algn="ctr"/>
+                      <a:endParaRPr lang="zh-CN" altLang="en-US"/>
+                    </a:p>
+                  </a:txBody>
+                  <a:tcPr/>
+                </a:tc>
+                <a:tc>
+                  <a:txBody>
+                    <a:bodyPr/>
+                    <a:lstStyle/>
+                    <a:p>
+                      <a:pPr algn="ctr"/>
+                      <a:endParaRPr lang="zh-CN" altLang="en-US"/>
+                    </a:p>
+                  </a:txBody>
+                  <a:tcPr/>
+                </a:tc>
+                <a:tc>
+                  <a:txBody>
+                    <a:bodyPr/>
+                    <a:lstStyle/>
+                    <a:p>
+                      <a:pPr algn="ctr"/>
+                      <a:endParaRPr lang="zh-CN" altLang="en-US"/>
+                    </a:p>
+                  </a:txBody>
+                  <a:tcPr/>
+                </a:tc>
+                <a:tc>
+                  <a:txBody>
+                    <a:bodyPr/>
+                    <a:lstStyle/>
+                    <a:p>
+                      <a:pPr algn="ctr"/>
+                      <a:endParaRPr lang="zh-CN" altLang="en-US"/>
+                    </a:p>
+                  </a:txBody>
+                  <a:tcPr/>
+                </a:tc>
+                <a:tc>
+                  <a:txBody>
+                    <a:bodyPr/>
+                    <a:lstStyle/>
+                    <a:p>
+                      <a:pPr algn="ctr"/>
+                      <a:endParaRPr lang="zh-CN" altLang="en-US"/>
+                    </a:p>
+                  </a:txBody>
+                  <a:tcPr/>
+                </a:tc>
+                <a:extLst>
+                  <a:ext uri="{0D108BD9-81ED-4DB2-BD59-A6C34878D82A}">
+                    <a16:rowId xmlns:a16="http://schemas.microsoft.com/office/drawing/2014/main" val="2311994989"/>
+                  </a:ext>
+                </a:extLst>
+              </a:tr>
+              <a:tr h="370840">
+                <a:tc>
+                  <a:txBody>
+                    <a:bodyPr/>
+                    <a:lstStyle/>
+                    <a:p>
+                      <a:pPr algn="ctr"/>
+                      <a:endParaRPr lang="zh-CN" altLang="en-US"/>
+                    </a:p>
+                  </a:txBody>
+                  <a:tcPr/>
+                </a:tc>
+                <a:tc>
+                  <a:txBody>
+                    <a:bodyPr/>
+                    <a:lstStyle/>
+                    <a:p>
+                      <a:pPr algn="ctr"/>
+                      <a:endParaRPr lang="zh-CN" altLang="en-US" dirty="0"/>
+                    </a:p>
+                  </a:txBody>
+                  <a:tcPr/>
+                </a:tc>
+                <a:tc>
+                  <a:txBody>
+                    <a:bodyPr/>
+                    <a:lstStyle/>
+                    <a:p>
+                      <a:pPr algn="ctr"/>
+                      <a:endParaRPr lang="zh-CN" altLang="en-US" dirty="0"/>
+                    </a:p>
+                  </a:txBody>
+                  <a:tcPr/>
+                </a:tc>
+                <a:tc>
+                  <a:txBody>
+                    <a:bodyPr/>
+                    <a:lstStyle/>
+                    <a:p>
+                      <a:pPr algn="ctr"/>
+                      <a:endParaRPr lang="zh-CN" altLang="en-US"/>
+                    </a:p>
+                  </a:txBody>
+                  <a:tcPr/>
+                </a:tc>
+                <a:tc>
+                  <a:txBody>
+                    <a:bodyPr/>
+                    <a:lstStyle/>
+                    <a:p>
+                      <a:pPr algn="ctr"/>
+                      <a:endParaRPr lang="zh-CN" altLang="en-US"/>
+                    </a:p>
+                  </a:txBody>
+                  <a:tcPr/>
+                </a:tc>
+                <a:tc>
+                  <a:txBody>
+                    <a:bodyPr/>
+                    <a:lstStyle/>
+                    <a:p>
+                      <a:pPr algn="ctr"/>
+                      <a:endParaRPr lang="zh-CN" altLang="en-US"/>
+                    </a:p>
+                  </a:txBody>
+                  <a:tcPr/>
+                </a:tc>
+                <a:tc>
+                  <a:txBody>
+                    <a:bodyPr/>
+                    <a:lstStyle/>
+                    <a:p>
+                      <a:pPr algn="ctr"/>
+                      <a:endParaRPr lang="zh-CN" altLang="en-US"/>
+                    </a:p>
+                  </a:txBody>
+                  <a:tcPr/>
+                </a:tc>
+                <a:extLst>
+                  <a:ext uri="{0D108BD9-81ED-4DB2-BD59-A6C34878D82A}">
+                    <a16:rowId xmlns:a16="http://schemas.microsoft.com/office/drawing/2014/main" val="3087132302"/>
+                  </a:ext>
+                </a:extLst>
+              </a:tr>
+              <a:tr h="370840">
+                <a:tc>
+                  <a:txBody>
+                    <a:bodyPr/>
+                    <a:lstStyle/>
+                    <a:p>
+                      <a:pPr algn="ctr"/>
+                      <a:endParaRPr lang="zh-CN" altLang="en-US"/>
+                    </a:p>
+                  </a:txBody>
+                  <a:tcPr/>
+                </a:tc>
+                <a:tc>
+                  <a:txBody>
+                    <a:bodyPr/>
+                    <a:lstStyle/>
+                    <a:p>
+                      <a:pPr algn="ctr"/>
+                      <a:endParaRPr lang="zh-CN" altLang="en-US"/>
+                    </a:p>
+                  </a:txBody>
+                  <a:tcPr/>
+                </a:tc>
+                <a:tc>
+                  <a:txBody>
+                    <a:bodyPr/>
+                    <a:lstStyle/>
+                    <a:p>
+                      <a:pPr algn="ctr"/>
+                      <a:endParaRPr lang="zh-CN" altLang="en-US" dirty="0"/>
+                    </a:p>
+                  </a:txBody>
+                  <a:tcPr/>
+                </a:tc>
+                <a:tc>
+                  <a:txBody>
+                    <a:bodyPr/>
+                    <a:lstStyle/>
+                    <a:p>
+                      <a:pPr algn="ctr"/>
+                      <a:endParaRPr lang="zh-CN" altLang="en-US"/>
+                    </a:p>
+                  </a:txBody>
+                  <a:tcPr/>
+                </a:tc>
+                <a:tc>
+                  <a:txBody>
+                    <a:bodyPr/>
+                    <a:lstStyle/>
+                    <a:p>
+                      <a:pPr algn="ctr"/>
+                      <a:endParaRPr lang="zh-CN" altLang="en-US"/>
+                    </a:p>
+                  </a:txBody>
+                  <a:tcPr/>
+                </a:tc>
+                <a:tc>
+                  <a:txBody>
+                    <a:bodyPr/>
+                    <a:lstStyle/>
+                    <a:p>
+                      <a:pPr algn="ctr"/>
+                      <a:endParaRPr lang="zh-CN" altLang="en-US"/>
+                    </a:p>
+                  </a:txBody>
+                  <a:tcPr/>
+                </a:tc>
+                <a:tc>
+                  <a:txBody>
+                    <a:bodyPr/>
+                    <a:lstStyle/>
+                    <a:p>
+                      <a:pPr algn="ctr"/>
+                      <a:endParaRPr lang="zh-CN" altLang="en-US"/>
+                    </a:p>
+                  </a:txBody>
+                  <a:tcPr/>
+                </a:tc>
+                <a:extLst>
+                  <a:ext uri="{0D108BD9-81ED-4DB2-BD59-A6C34878D82A}">
+                    <a16:rowId xmlns:a16="http://schemas.microsoft.com/office/drawing/2014/main" val="2281428330"/>
+                  </a:ext>
+                </a:extLst>
+              </a:tr>
+              <a:tr h="370840">
+                <a:tc>
+                  <a:txBody>
+                    <a:bodyPr/>
+                    <a:lstStyle/>
+                    <a:p>
+                      <a:pPr algn="ctr"/>
+                      <a:endParaRPr lang="zh-CN" altLang="en-US"/>
+                    </a:p>
+                  </a:txBody>
+                  <a:tcPr/>
+                </a:tc>
+                <a:tc>
+                  <a:txBody>
+                    <a:bodyPr/>
+                    <a:lstStyle/>
+                    <a:p>
+                      <a:pPr algn="ctr"/>
+                      <a:endParaRPr lang="zh-CN" altLang="en-US"/>
+                    </a:p>
+                  </a:txBody>
+                  <a:tcPr/>
+                </a:tc>
+                <a:tc>
+                  <a:txBody>
+                    <a:bodyPr/>
+                    <a:lstStyle/>
+                    <a:p>
+                      <a:pPr algn="ctr"/>
+                      <a:endParaRPr lang="zh-CN" altLang="en-US" dirty="0"/>
+                    </a:p>
+                  </a:txBody>
+                  <a:tcPr/>
+                </a:tc>
+                <a:tc>
+                  <a:txBody>
+                    <a:bodyPr/>
+                    <a:lstStyle/>
+                    <a:p>
+                      <a:pPr algn="ctr"/>
+                      <a:endParaRPr lang="zh-CN" altLang="en-US"/>
+                    </a:p>
+                  </a:txBody>
+                  <a:tcPr/>
+                </a:tc>
+                <a:tc>
+                  <a:txBody>
+                    <a:bodyPr/>
+                    <a:lstStyle/>
+                    <a:p>
+                      <a:pPr algn="ctr"/>
+                      <a:endParaRPr lang="zh-CN" altLang="en-US"/>
+                    </a:p>
+                  </a:txBody>
+                  <a:tcPr/>
+                </a:tc>
+                <a:tc>
+                  <a:txBody>
+                    <a:bodyPr/>
+                    <a:lstStyle/>
+                    <a:p>
+                      <a:pPr algn="ctr"/>
+                      <a:endParaRPr lang="zh-CN" altLang="en-US"/>
+                    </a:p>
+                  </a:txBody>
+                  <a:tcPr/>
+                </a:tc>
+                <a:tc>
+                  <a:txBody>
+                    <a:bodyPr/>
+                    <a:lstStyle/>
+                    <a:p>
+                      <a:pPr algn="ctr"/>
+                      <a:endParaRPr lang="zh-CN" altLang="en-US"/>
+                    </a:p>
+                  </a:txBody>
+                  <a:tcPr/>
+                </a:tc>
+                <a:extLst>
+                  <a:ext uri="{0D108BD9-81ED-4DB2-BD59-A6C34878D82A}">
+                    <a16:rowId xmlns:a16="http://schemas.microsoft.com/office/drawing/2014/main" val="2604632969"/>
+                  </a:ext>
+                </a:extLst>
+              </a:tr>
+              <a:tr h="370840">
+                <a:tc>
+                  <a:txBody>
+                    <a:bodyPr/>
+                    <a:lstStyle/>
+                    <a:p>
+                      <a:pPr algn="ctr"/>
+                      <a:endParaRPr lang="zh-CN" altLang="en-US"/>
+                    </a:p>
+                  </a:txBody>
+                  <a:tcPr/>
+                </a:tc>
+                <a:tc>
+                  <a:txBody>
+                    <a:bodyPr/>
+                    <a:lstStyle/>
+                    <a:p>
+                      <a:pPr algn="ctr"/>
+                      <a:endParaRPr lang="zh-CN" altLang="en-US"/>
+                    </a:p>
+                  </a:txBody>
+                  <a:tcPr/>
+                </a:tc>
+                <a:tc>
+                  <a:txBody>
+                    <a:bodyPr/>
+                    <a:lstStyle/>
+                    <a:p>
+                      <a:pPr algn="ctr"/>
+                      <a:endParaRPr lang="zh-CN" altLang="en-US"/>
+                    </a:p>
+                  </a:txBody>
+                  <a:tcPr/>
+                </a:tc>
+                <a:tc>
+                  <a:txBody>
+                    <a:bodyPr/>
+                    <a:lstStyle/>
+                    <a:p>
+                      <a:pPr algn="ctr"/>
+                      <a:endParaRPr lang="zh-CN" altLang="en-US"/>
+                    </a:p>
+                  </a:txBody>
+                  <a:tcPr/>
+                </a:tc>
+                <a:tc>
+                  <a:txBody>
+                    <a:bodyPr/>
+                    <a:lstStyle/>
+                    <a:p>
+                      <a:pPr algn="ctr"/>
+                      <a:endParaRPr lang="zh-CN" altLang="en-US"/>
+                    </a:p>
+                  </a:txBody>
+                  <a:tcPr/>
+                </a:tc>
+                <a:tc>
+                  <a:txBody>
+                    <a:bodyPr/>
+                    <a:lstStyle/>
+                    <a:p>
+                      <a:pPr algn="ctr"/>
+                      <a:endParaRPr lang="zh-CN" altLang="en-US"/>
+                    </a:p>
+                  </a:txBody>
+                  <a:tcPr/>
+                </a:tc>
+                <a:tc>
+                  <a:txBody>
+                    <a:bodyPr/>
+                    <a:lstStyle/>
+                    <a:p>
+                      <a:pPr algn="ctr"/>
+                      <a:endParaRPr lang="zh-CN" altLang="en-US"/>
+                    </a:p>
+                  </a:txBody>
+                  <a:tcPr/>
+                </a:tc>
+                <a:extLst>
+                  <a:ext uri="{0D108BD9-81ED-4DB2-BD59-A6C34878D82A}">
+                    <a16:rowId xmlns:a16="http://schemas.microsoft.com/office/drawing/2014/main" val="2191659212"/>
+                  </a:ext>
+                </a:extLst>
+              </a:tr>
+              <a:tr h="370840">
+                <a:tc>
+                  <a:txBody>
+                    <a:bodyPr/>
+                    <a:lstStyle/>
+                    <a:p>
+                      <a:pPr algn="ctr"/>
+                      <a:endParaRPr lang="zh-CN" altLang="en-US"/>
+                    </a:p>
+                  </a:txBody>
+                  <a:tcPr/>
+                </a:tc>
+                <a:tc>
+                  <a:txBody>
+                    <a:bodyPr/>
+                    <a:lstStyle/>
+                    <a:p>
+                      <a:pPr algn="ctr"/>
+                      <a:endParaRPr lang="zh-CN" altLang="en-US"/>
+                    </a:p>
+                  </a:txBody>
+                  <a:tcPr/>
+                </a:tc>
+                <a:tc>
+                  <a:txBody>
+                    <a:bodyPr/>
+                    <a:lstStyle/>
+                    <a:p>
+                      <a:pPr algn="ctr"/>
+                      <a:endParaRPr lang="zh-CN" altLang="en-US"/>
+                    </a:p>
+                  </a:txBody>
+                  <a:tcPr/>
+                </a:tc>
+                <a:tc>
+                  <a:txBody>
+                    <a:bodyPr/>
+                    <a:lstStyle/>
+                    <a:p>
+                      <a:pPr algn="ctr"/>
+                      <a:endParaRPr lang="zh-CN" altLang="en-US" dirty="0"/>
+                    </a:p>
+                  </a:txBody>
+                  <a:tcPr/>
+                </a:tc>
+                <a:tc>
+                  <a:txBody>
+                    <a:bodyPr/>
+                    <a:lstStyle/>
+                    <a:p>
+                      <a:pPr algn="ctr"/>
+                      <a:endParaRPr lang="zh-CN" altLang="en-US"/>
+                    </a:p>
+                  </a:txBody>
+                  <a:tcPr/>
+                </a:tc>
+                <a:tc>
+                  <a:txBody>
+                    <a:bodyPr/>
+                    <a:lstStyle/>
+                    <a:p>
+                      <a:pPr algn="ctr"/>
+                      <a:endParaRPr lang="zh-CN" altLang="en-US"/>
+                    </a:p>
+                  </a:txBody>
+                  <a:tcPr/>
+                </a:tc>
+                <a:tc>
+                  <a:txBody>
+                    <a:bodyPr/>
+                    <a:lstStyle/>
+                    <a:p>
+                      <a:pPr algn="ctr"/>
+                      <a:endParaRPr lang="zh-CN" altLang="en-US"/>
+                    </a:p>
+                  </a:txBody>
+                  <a:tcPr/>
+                </a:tc>
+                <a:extLst>
+                  <a:ext uri="{0D108BD9-81ED-4DB2-BD59-A6C34878D82A}">
+                    <a16:rowId xmlns:a16="http://schemas.microsoft.com/office/drawing/2014/main" val="2157206521"/>
+                  </a:ext>
+                </a:extLst>
+              </a:tr>
+              <a:tr h="370840">
+                <a:tc>
+                  <a:txBody>
+                    <a:bodyPr/>
+                    <a:lstStyle/>
+                    <a:p>
+                      <a:pPr algn="ctr"/>
+                      <a:endParaRPr lang="zh-CN" altLang="en-US"/>
+                    </a:p>
+                  </a:txBody>
+                  <a:tcPr/>
+                </a:tc>
+                <a:tc>
+                  <a:txBody>
+                    <a:bodyPr/>
+                    <a:lstStyle/>
+                    <a:p>
+                      <a:pPr algn="ctr"/>
+                      <a:endParaRPr lang="zh-CN" altLang="en-US"/>
+                    </a:p>
+                  </a:txBody>
+                  <a:tcPr/>
+                </a:tc>
+                <a:tc>
+                  <a:txBody>
+                    <a:bodyPr/>
+                    <a:lstStyle/>
+                    <a:p>
+                      <a:pPr algn="ctr"/>
+                      <a:endParaRPr lang="zh-CN" altLang="en-US"/>
+                    </a:p>
+                  </a:txBody>
+                  <a:tcPr/>
+                </a:tc>
+                <a:tc>
+                  <a:txBody>
+                    <a:bodyPr/>
+                    <a:lstStyle/>
+                    <a:p>
+                      <a:pPr algn="ctr"/>
+                      <a:endParaRPr lang="zh-CN" altLang="en-US"/>
+                    </a:p>
+                  </a:txBody>
+                  <a:tcPr/>
+                </a:tc>
+                <a:tc>
+                  <a:txBody>
+                    <a:bodyPr/>
+                    <a:lstStyle/>
+                    <a:p>
+                      <a:pPr algn="ctr"/>
+                      <a:endParaRPr lang="zh-CN" altLang="en-US" dirty="0"/>
+                    </a:p>
+                  </a:txBody>
+                  <a:tcPr/>
+                </a:tc>
+                <a:tc>
+                  <a:txBody>
+                    <a:bodyPr/>
+                    <a:lstStyle/>
+                    <a:p>
+                      <a:pPr algn="ctr"/>
+                      <a:endParaRPr lang="zh-CN" altLang="en-US"/>
+                    </a:p>
+                  </a:txBody>
+                  <a:tcPr/>
+                </a:tc>
+                <a:tc>
+                  <a:txBody>
+                    <a:bodyPr/>
+                    <a:lstStyle/>
+                    <a:p>
+                      <a:pPr algn="ctr"/>
+                      <a:endParaRPr lang="zh-CN" altLang="en-US"/>
+                    </a:p>
+                  </a:txBody>
+                  <a:tcPr/>
+                </a:tc>
+                <a:extLst>
+                  <a:ext uri="{0D108BD9-81ED-4DB2-BD59-A6C34878D82A}">
+                    <a16:rowId xmlns:a16="http://schemas.microsoft.com/office/drawing/2014/main" val="2355702397"/>
+                  </a:ext>
+                </a:extLst>
+              </a:tr>
+              <a:tr h="370840">
+                <a:tc>
+                  <a:txBody>
+                    <a:bodyPr/>
+                    <a:lstStyle/>
+                    <a:p>
+                      <a:pPr algn="ctr"/>
+                      <a:endParaRPr lang="zh-CN" altLang="en-US"/>
+                    </a:p>
+                  </a:txBody>
+                  <a:tcPr/>
+                </a:tc>
+                <a:tc>
+                  <a:txBody>
+                    <a:bodyPr/>
+                    <a:lstStyle/>
+                    <a:p>
+                      <a:pPr algn="ctr"/>
+                      <a:endParaRPr lang="zh-CN" altLang="en-US"/>
+                    </a:p>
+                  </a:txBody>
+                  <a:tcPr/>
+                </a:tc>
+                <a:tc>
+                  <a:txBody>
+                    <a:bodyPr/>
+                    <a:lstStyle/>
+                    <a:p>
+                      <a:pPr algn="ctr"/>
+                      <a:endParaRPr lang="zh-CN" altLang="en-US"/>
+                    </a:p>
+                  </a:txBody>
+                  <a:tcPr/>
+                </a:tc>
+                <a:tc>
+                  <a:txBody>
+                    <a:bodyPr/>
+                    <a:lstStyle/>
+                    <a:p>
+                      <a:pPr algn="ctr"/>
+                      <a:endParaRPr lang="zh-CN" altLang="en-US"/>
+                    </a:p>
+                  </a:txBody>
+                  <a:tcPr/>
+                </a:tc>
+                <a:tc>
+                  <a:txBody>
+                    <a:bodyPr/>
+                    <a:lstStyle/>
+                    <a:p>
+                      <a:pPr algn="ctr"/>
+                      <a:endParaRPr lang="zh-CN" altLang="en-US" dirty="0"/>
+                    </a:p>
+                  </a:txBody>
+                  <a:tcPr/>
+                </a:tc>
+                <a:tc>
+                  <a:txBody>
+                    <a:bodyPr/>
+                    <a:lstStyle/>
+                    <a:p>
+                      <a:pPr algn="ctr"/>
+                      <a:endParaRPr lang="zh-CN" altLang="en-US"/>
+                    </a:p>
+                  </a:txBody>
+                  <a:tcPr/>
+                </a:tc>
+                <a:tc>
+                  <a:txBody>
+                    <a:bodyPr/>
+                    <a:lstStyle/>
+                    <a:p>
+                      <a:pPr algn="ctr"/>
+                      <a:endParaRPr lang="zh-CN" altLang="en-US"/>
+                    </a:p>
+                  </a:txBody>
+                  <a:tcPr/>
+                </a:tc>
+                <a:extLst>
+                  <a:ext uri="{0D108BD9-81ED-4DB2-BD59-A6C34878D82A}">
+                    <a16:rowId xmlns:a16="http://schemas.microsoft.com/office/drawing/2014/main" val="4290818022"/>
+                  </a:ext>
+                </a:extLst>
+              </a:tr>
+              <a:tr h="370840">
+                <a:tc>
+                  <a:txBody>
+                    <a:bodyPr/>
+                    <a:lstStyle/>
+                    <a:p>
+                      <a:pPr algn="ctr"/>
+                      <a:endParaRPr lang="zh-CN" altLang="en-US"/>
+                    </a:p>
+                  </a:txBody>
+                  <a:tcPr/>
+                </a:tc>
+                <a:tc>
+                  <a:txBody>
+                    <a:bodyPr/>
+                    <a:lstStyle/>
+                    <a:p>
+                      <a:pPr algn="ctr"/>
+                      <a:endParaRPr lang="zh-CN" altLang="en-US"/>
+                    </a:p>
+                  </a:txBody>
+                  <a:tcPr/>
+                </a:tc>
+                <a:tc>
+                  <a:txBody>
+                    <a:bodyPr/>
+                    <a:lstStyle/>
+                    <a:p>
+                      <a:pPr algn="ctr"/>
+                      <a:endParaRPr lang="zh-CN" altLang="en-US"/>
+                    </a:p>
+                  </a:txBody>
+                  <a:tcPr/>
+                </a:tc>
+                <a:tc>
+                  <a:txBody>
+                    <a:bodyPr/>
+                    <a:lstStyle/>
+                    <a:p>
+                      <a:pPr algn="ctr"/>
+                      <a:endParaRPr lang="zh-CN" altLang="en-US"/>
+                    </a:p>
+                  </a:txBody>
+                  <a:tcPr/>
+                </a:tc>
+                <a:tc>
+                  <a:txBody>
+                    <a:bodyPr/>
+                    <a:lstStyle/>
+                    <a:p>
+                      <a:pPr algn="ctr"/>
+                      <a:endParaRPr lang="zh-CN" altLang="en-US" dirty="0"/>
+                    </a:p>
+                  </a:txBody>
+                  <a:tcPr/>
+                </a:tc>
+                <a:tc>
+                  <a:txBody>
+                    <a:bodyPr/>
+                    <a:lstStyle/>
+                    <a:p>
+                      <a:pPr algn="ctr"/>
+                      <a:endParaRPr lang="zh-CN" altLang="en-US" dirty="0"/>
+                    </a:p>
+                  </a:txBody>
+                  <a:tcPr/>
+                </a:tc>
+                <a:tc>
+                  <a:txBody>
+                    <a:bodyPr/>
+                    <a:lstStyle/>
+                    <a:p>
+                      <a:pPr algn="ctr"/>
+                      <a:endParaRPr lang="zh-CN" altLang="en-US"/>
+                    </a:p>
+                  </a:txBody>
+                  <a:tcPr/>
+                </a:tc>
+                <a:extLst>
+                  <a:ext uri="{0D108BD9-81ED-4DB2-BD59-A6C34878D82A}">
+                    <a16:rowId xmlns:a16="http://schemas.microsoft.com/office/drawing/2014/main" val="3249595324"/>
+                  </a:ext>
+                </a:extLst>
+              </a:tr>
+              <a:tr h="370840">
+                <a:tc>
+                  <a:txBody>
+                    <a:bodyPr/>
+                    <a:lstStyle/>
+                    <a:p>
+                      <a:pPr algn="ctr"/>
+                      <a:endParaRPr lang="zh-CN" altLang="en-US"/>
+                    </a:p>
+                  </a:txBody>
+                  <a:tcPr/>
+                </a:tc>
+                <a:tc>
+                  <a:txBody>
+                    <a:bodyPr/>
+                    <a:lstStyle/>
+                    <a:p>
+                      <a:pPr algn="ctr"/>
+                      <a:endParaRPr lang="zh-CN" altLang="en-US"/>
+                    </a:p>
+                  </a:txBody>
+                  <a:tcPr/>
+                </a:tc>
+                <a:tc>
+                  <a:txBody>
+                    <a:bodyPr/>
+                    <a:lstStyle/>
+                    <a:p>
+                      <a:pPr algn="ctr"/>
+                      <a:endParaRPr lang="zh-CN" altLang="en-US"/>
+                    </a:p>
+                  </a:txBody>
+                  <a:tcPr/>
+                </a:tc>
+                <a:tc>
+                  <a:txBody>
+                    <a:bodyPr/>
+                    <a:lstStyle/>
+                    <a:p>
+                      <a:pPr algn="ctr"/>
+                      <a:endParaRPr lang="zh-CN" altLang="en-US"/>
+                    </a:p>
+                  </a:txBody>
+                  <a:tcPr/>
+                </a:tc>
+                <a:tc>
+                  <a:txBody>
+                    <a:bodyPr/>
+                    <a:lstStyle/>
+                    <a:p>
+                      <a:pPr algn="ctr"/>
+                      <a:endParaRPr lang="zh-CN" altLang="en-US"/>
+                    </a:p>
+                  </a:txBody>
+                  <a:tcPr/>
+                </a:tc>
+                <a:tc>
+                  <a:txBody>
+                    <a:bodyPr/>
+                    <a:lstStyle/>
+                    <a:p>
+                      <a:pPr algn="ctr"/>
+                      <a:endParaRPr lang="zh-CN" altLang="en-US" dirty="0"/>
+                    </a:p>
+                  </a:txBody>
+                  <a:tcPr/>
+                </a:tc>
+                <a:tc>
+                  <a:txBody>
+                    <a:bodyPr/>
+                    <a:lstStyle/>
+                    <a:p>
+                      <a:pPr algn="ctr"/>
+                      <a:endParaRPr lang="zh-CN" altLang="en-US"/>
+                    </a:p>
+                  </a:txBody>
+                  <a:tcPr/>
+                </a:tc>
+                <a:extLst>
+                  <a:ext uri="{0D108BD9-81ED-4DB2-BD59-A6C34878D82A}">
+                    <a16:rowId xmlns:a16="http://schemas.microsoft.com/office/drawing/2014/main" val="1001391381"/>
+                  </a:ext>
+                </a:extLst>
+              </a:tr>
+              <a:tr h="370840">
+                <a:tc>
+                  <a:txBody>
+                    <a:bodyPr/>
+                    <a:lstStyle/>
+                    <a:p>
+                      <a:pPr algn="ctr"/>
+                      <a:endParaRPr lang="zh-CN" altLang="en-US"/>
+                    </a:p>
+                  </a:txBody>
+                  <a:tcPr/>
+                </a:tc>
+                <a:tc>
+                  <a:txBody>
+                    <a:bodyPr/>
+                    <a:lstStyle/>
+                    <a:p>
+                      <a:pPr algn="ctr"/>
+                      <a:endParaRPr lang="zh-CN" altLang="en-US"/>
+                    </a:p>
+                  </a:txBody>
+                  <a:tcPr/>
+                </a:tc>
+                <a:tc>
+                  <a:txBody>
+                    <a:bodyPr/>
+                    <a:lstStyle/>
+                    <a:p>
+                      <a:pPr algn="ctr"/>
+                      <a:endParaRPr lang="zh-CN" altLang="en-US"/>
+                    </a:p>
+                  </a:txBody>
+                  <a:tcPr/>
+                </a:tc>
+                <a:tc>
+                  <a:txBody>
+                    <a:bodyPr/>
+                    <a:lstStyle/>
+                    <a:p>
+                      <a:pPr algn="ctr"/>
+                      <a:endParaRPr lang="zh-CN" altLang="en-US"/>
+                    </a:p>
+                  </a:txBody>
+                  <a:tcPr/>
+                </a:tc>
+                <a:tc>
+                  <a:txBody>
+                    <a:bodyPr/>
+                    <a:lstStyle/>
+                    <a:p>
+                      <a:pPr algn="ctr"/>
+                      <a:endParaRPr lang="zh-CN" altLang="en-US"/>
+                    </a:p>
+                  </a:txBody>
+                  <a:tcPr/>
+                </a:tc>
+                <a:tc>
+                  <a:txBody>
+                    <a:bodyPr/>
+                    <a:lstStyle/>
+                    <a:p>
+                      <a:pPr algn="ctr"/>
+                      <a:endParaRPr lang="zh-CN" altLang="en-US" dirty="0"/>
+                    </a:p>
+                  </a:txBody>
+                  <a:tcPr/>
+                </a:tc>
+                <a:tc>
+                  <a:txBody>
+                    <a:bodyPr/>
+                    <a:lstStyle/>
+                    <a:p>
+                      <a:pPr algn="ctr"/>
+                      <a:endParaRPr lang="zh-CN" altLang="en-US" dirty="0"/>
+                    </a:p>
+                  </a:txBody>
+                  <a:tcPr/>
+                </a:tc>
+                <a:extLst>
+                  <a:ext uri="{0D108BD9-81ED-4DB2-BD59-A6C34878D82A}">
+                    <a16:rowId xmlns:a16="http://schemas.microsoft.com/office/drawing/2014/main" val="778463336"/>
+                  </a:ext>
+                </a:extLst>
+              </a:tr>
+              <a:tr h="370840">
+                <a:tc>
+                  <a:txBody>
+                    <a:bodyPr/>
+                    <a:lstStyle/>
+                    <a:p>
+                      <a:pPr algn="ctr"/>
+                      <a:endParaRPr lang="zh-CN" altLang="en-US"/>
+                    </a:p>
+                  </a:txBody>
+                  <a:tcPr/>
+                </a:tc>
+                <a:tc>
+                  <a:txBody>
+                    <a:bodyPr/>
+                    <a:lstStyle/>
+                    <a:p>
+                      <a:pPr algn="ctr"/>
+                      <a:endParaRPr lang="zh-CN" altLang="en-US"/>
+                    </a:p>
+                  </a:txBody>
+                  <a:tcPr/>
+                </a:tc>
+                <a:tc>
+                  <a:txBody>
+                    <a:bodyPr/>
+                    <a:lstStyle/>
+                    <a:p>
+                      <a:pPr algn="ctr"/>
+                      <a:endParaRPr lang="zh-CN" altLang="en-US"/>
+                    </a:p>
+                  </a:txBody>
+                  <a:tcPr/>
+                </a:tc>
+                <a:tc>
+                  <a:txBody>
+                    <a:bodyPr/>
+                    <a:lstStyle/>
+                    <a:p>
+                      <a:pPr algn="ctr"/>
+                      <a:endParaRPr lang="zh-CN" altLang="en-US"/>
+                    </a:p>
+                  </a:txBody>
+                  <a:tcPr/>
+                </a:tc>
+                <a:tc>
+                  <a:txBody>
+                    <a:bodyPr/>
+                    <a:lstStyle/>
+                    <a:p>
+                      <a:pPr algn="ctr"/>
+                      <a:endParaRPr lang="zh-CN" altLang="en-US"/>
+                    </a:p>
+                  </a:txBody>
+                  <a:tcPr/>
+                </a:tc>
+                <a:tc>
+                  <a:txBody>
+                    <a:bodyPr/>
+                    <a:lstStyle/>
+                    <a:p>
+                      <a:pPr algn="ctr"/>
+                      <a:endParaRPr lang="zh-CN" altLang="en-US"/>
+                    </a:p>
+                  </a:txBody>
+                  <a:tcPr/>
+                </a:tc>
+                <a:tc>
+                  <a:txBody>
+                    <a:bodyPr/>
+                    <a:lstStyle/>
+                    <a:p>
+                      <a:pPr algn="ctr"/>
+                      <a:endParaRPr lang="zh-CN" altLang="en-US" dirty="0"/>
+                    </a:p>
+                  </a:txBody>
+                  <a:tcPr/>
+                </a:tc>
+                <a:extLst>
+                  <a:ext uri="{0D108BD9-81ED-4DB2-BD59-A6C34878D82A}">
+                    <a16:rowId xmlns:a16="http://schemas.microsoft.com/office/drawing/2014/main" val="2728270495"/>
+                  </a:ext>
+                </a:extLst>
+              </a:tr>
+              <a:tr h="370840">
+                <a:tc>
+                  <a:txBody>
+                    <a:bodyPr/>
+                    <a:lstStyle/>
+                    <a:p>
+                      <a:pPr algn="ctr"/>
+                      <a:endParaRPr lang="zh-CN" altLang="en-US"/>
+                    </a:p>
+                  </a:txBody>
+                  <a:tcPr/>
+                </a:tc>
+                <a:tc>
+                  <a:txBody>
+                    <a:bodyPr/>
+                    <a:lstStyle/>
+                    <a:p>
+                      <a:pPr algn="ctr"/>
+                      <a:endParaRPr lang="zh-CN" altLang="en-US"/>
+                    </a:p>
+                  </a:txBody>
+                  <a:tcPr/>
+                </a:tc>
+                <a:tc>
+                  <a:txBody>
+                    <a:bodyPr/>
+                    <a:lstStyle/>
+                    <a:p>
+                      <a:pPr algn="ctr"/>
+                      <a:endParaRPr lang="zh-CN" altLang="en-US"/>
+                    </a:p>
+                  </a:txBody>
+                  <a:tcPr/>
+                </a:tc>
+                <a:tc>
+                  <a:txBody>
+                    <a:bodyPr/>
+                    <a:lstStyle/>
+                    <a:p>
+                      <a:pPr algn="ctr"/>
+                      <a:endParaRPr lang="zh-CN" altLang="en-US"/>
+                    </a:p>
+                  </a:txBody>
+                  <a:tcPr/>
+                </a:tc>
+                <a:tc>
+                  <a:txBody>
+                    <a:bodyPr/>
+                    <a:lstStyle/>
+                    <a:p>
+                      <a:pPr algn="ctr"/>
+                      <a:endParaRPr lang="zh-CN" altLang="en-US"/>
+                    </a:p>
+                  </a:txBody>
+                  <a:tcPr/>
+                </a:tc>
+                <a:tc>
+                  <a:txBody>
+                    <a:bodyPr/>
+                    <a:lstStyle/>
+                    <a:p>
+                      <a:pPr algn="ctr"/>
+                      <a:endParaRPr lang="zh-CN" altLang="en-US"/>
+                    </a:p>
+                  </a:txBody>
+                  <a:tcPr/>
+                </a:tc>
+                <a:tc>
+                  <a:txBody>
+                    <a:bodyPr/>
+                    <a:lstStyle/>
+                    <a:p>
+                      <a:pPr algn="ctr"/>
+                      <a:endParaRPr lang="zh-CN" altLang="en-US" dirty="0"/>
+                    </a:p>
+                  </a:txBody>
+                  <a:tcPr/>
+                </a:tc>
+                <a:extLst>
+                  <a:ext uri="{0D108BD9-81ED-4DB2-BD59-A6C34878D82A}">
+                    <a16:rowId xmlns:a16="http://schemas.microsoft.com/office/drawing/2014/main" val="3862398304"/>
+                  </a:ext>
+                </a:extLst>
+              </a:tr>
+            </a:tbl>
+          </a:graphicData>
+        </a:graphic>
+      </p:graphicFrame>
+    </p:spTree>
+    <p:extLst>
+      <p:ext uri="{BB962C8B-B14F-4D97-AF65-F5344CB8AC3E}">
+        <p14:creationId xmlns:p14="http://schemas.microsoft.com/office/powerpoint/2010/main" val="3193731835"/>
+      </p:ext>
+    </p:extLst>
+  </p:cSld>
+  <p:clrMapOvr>
+    <a:masterClrMapping/>
+  </p:clrMapOvr>
+</p:sld>
+</file>
+
 <file path=ppt/theme/theme1.xml><?xml version="1.0" encoding="utf-8"?>
 <a:theme xmlns:a="http://schemas.openxmlformats.org/drawingml/2006/main" name="Office 主题​​">
   <a:themeElements>
@@ -7497,7 +9165,7 @@
         <a:sysClr val="windowText" lastClr="000000"/>
       </a:dk1>
       <a:lt1>
-        <a:sysClr val="window" lastClr="FFFFFF"/>
+        <a:sysClr val="window" lastClr="CCE8CF"/>
       </a:lt1>
       <a:dk2>
         <a:srgbClr val="44546A"/>
@@ -7758,7 +9426,7 @@
         <a:sysClr val="windowText" lastClr="000000"/>
       </a:dk1>
       <a:lt1>
-        <a:sysClr val="window" lastClr="FFFFFF"/>
+        <a:sysClr val="window" lastClr="CCE8CF"/>
       </a:lt1>
       <a:dk2>
         <a:srgbClr val="44546A"/>

--- a/Fig.1.2.3.pptx
+++ b/Fig.1.2.3.pptx
@@ -631,6 +631,141 @@
     <p:extLst>
       <p:ext uri="{BB962C8B-B14F-4D97-AF65-F5344CB8AC3E}">
         <p14:creationId xmlns:p14="http://schemas.microsoft.com/office/powerpoint/2010/main" val="3698381309"/>
+      </p:ext>
+    </p:extLst>
+  </p:cSld>
+  <p:clrMapOvr>
+    <a:masterClrMapping/>
+  </p:clrMapOvr>
+</p:notes>
+</file>
+
+<file path=ppt/notesSlides/notesSlide3.xml><?xml version="1.0" encoding="utf-8"?>
+<p:notes xmlns:a="http://schemas.openxmlformats.org/drawingml/2006/main" xmlns:r="http://schemas.openxmlformats.org/officeDocument/2006/relationships" xmlns:p="http://schemas.openxmlformats.org/presentationml/2006/main">
+  <p:cSld>
+    <p:spTree>
+      <p:nvGrpSpPr>
+        <p:cNvPr id="1" name=""/>
+        <p:cNvGrpSpPr/>
+        <p:nvPr/>
+      </p:nvGrpSpPr>
+      <p:grpSpPr>
+        <a:xfrm>
+          <a:off x="0" y="0"/>
+          <a:ext cx="0" cy="0"/>
+          <a:chOff x="0" y="0"/>
+          <a:chExt cx="0" cy="0"/>
+        </a:xfrm>
+      </p:grpSpPr>
+      <p:sp>
+        <p:nvSpPr>
+          <p:cNvPr id="2" name="幻灯片图像占位符 1"/>
+          <p:cNvSpPr>
+            <a:spLocks noGrp="1" noRot="1" noChangeAspect="1"/>
+          </p:cNvSpPr>
+          <p:nvPr>
+            <p:ph type="sldImg"/>
+          </p:nvPr>
+        </p:nvSpPr>
+        <p:spPr/>
+      </p:sp>
+      <p:sp>
+        <p:nvSpPr>
+          <p:cNvPr id="3" name="备注占位符 2"/>
+          <p:cNvSpPr>
+            <a:spLocks noGrp="1"/>
+          </p:cNvSpPr>
+          <p:nvPr>
+            <p:ph type="body" idx="1"/>
+          </p:nvPr>
+        </p:nvSpPr>
+        <p:spPr/>
+        <p:txBody>
+          <a:bodyPr/>
+          <a:lstStyle/>
+          <a:p>
+            <a:r>
+              <a:rPr lang="zh-CN" altLang="en-US" dirty="0" smtClean="0"/>
+              <a:t>使用的显卡类型不同！，也要标注</a:t>
+            </a:r>
+            <a:r>
+              <a:rPr lang="en-US" altLang="zh-CN" dirty="0" smtClean="0"/>
+              <a:t>!</a:t>
+            </a:r>
+            <a:r>
+              <a:rPr lang="zh-CN" altLang="en-US" dirty="0" smtClean="0"/>
+              <a:t>要标注有权网采用了</a:t>
+            </a:r>
+            <a:r>
+              <a:rPr lang="en-US" altLang="zh-CN" dirty="0" err="1" smtClean="0"/>
+              <a:t>louvain</a:t>
+            </a:r>
+            <a:r>
+              <a:rPr lang="zh-CN" altLang="en-US" dirty="0" smtClean="0"/>
+              <a:t>法；以秒为单位</a:t>
+            </a:r>
+            <a:endParaRPr lang="en-US" altLang="zh-CN" dirty="0" smtClean="0"/>
+          </a:p>
+          <a:p>
+            <a:pPr marL="0" marR="0" indent="0" algn="l" defTabSz="914400" rtl="0" eaLnBrk="1" fontAlgn="auto" latinLnBrk="0" hangingPunct="1">
+              <a:lnSpc>
+                <a:spcPct val="100000"/>
+              </a:lnSpc>
+              <a:spcBef>
+                <a:spcPts val="0"/>
+              </a:spcBef>
+              <a:spcAft>
+                <a:spcPts val="0"/>
+              </a:spcAft>
+              <a:buClrTx/>
+              <a:buSzTx/>
+              <a:buFontTx/>
+              <a:buNone/>
+              <a:tabLst/>
+              <a:defRPr/>
+            </a:pPr>
+            <a:r>
+              <a:rPr lang="zh-CN" altLang="en-US" dirty="0" smtClean="0"/>
+              <a:t>以前的：</a:t>
+            </a:r>
+            <a:r>
+              <a:rPr lang="en-US" altLang="zh-CN" dirty="0" smtClean="0"/>
+              <a:t>The sparsity of network that listed algorithms deal with is 1.0%. Note that unweighted and weighted network respectively adopt different modularity methods.</a:t>
+            </a:r>
+            <a:endParaRPr lang="zh-CN" altLang="en-US" dirty="0" smtClean="0"/>
+          </a:p>
+          <a:p>
+            <a:endParaRPr lang="zh-CN" altLang="en-US" dirty="0"/>
+          </a:p>
+        </p:txBody>
+      </p:sp>
+      <p:sp>
+        <p:nvSpPr>
+          <p:cNvPr id="4" name="灯片编号占位符 3"/>
+          <p:cNvSpPr>
+            <a:spLocks noGrp="1"/>
+          </p:cNvSpPr>
+          <p:nvPr>
+            <p:ph type="sldNum" sz="quarter" idx="10"/>
+          </p:nvPr>
+        </p:nvSpPr>
+        <p:spPr/>
+        <p:txBody>
+          <a:bodyPr/>
+          <a:lstStyle/>
+          <a:p>
+            <a:fld id="{1F27A141-E6AD-429E-9023-D187FB199FD1}" type="slidenum">
+              <a:rPr lang="zh-CN" altLang="en-US" smtClean="0"/>
+              <a:t>4</a:t>
+            </a:fld>
+            <a:endParaRPr lang="zh-CN" altLang="en-US"/>
+          </a:p>
+        </p:txBody>
+      </p:sp>
+    </p:spTree>
+    <p:extLst>
+      <p:ext uri="{BB962C8B-B14F-4D97-AF65-F5344CB8AC3E}">
+        <p14:creationId xmlns:p14="http://schemas.microsoft.com/office/powerpoint/2010/main" val="562869521"/>
       </p:ext>
     </p:extLst>
   </p:cSld>
@@ -6885,7 +7020,7 @@
 </file>
 
 <file path=ppt/slides/slide3.xml><?xml version="1.0" encoding="utf-8"?>
-<p:sld xmlns:a="http://schemas.openxmlformats.org/drawingml/2006/main" xmlns:r="http://schemas.openxmlformats.org/officeDocument/2006/relationships" xmlns:p="http://schemas.openxmlformats.org/presentationml/2006/main">
+<p:sld xmlns:a="http://schemas.openxmlformats.org/drawingml/2006/main" xmlns:r="http://schemas.openxmlformats.org/officeDocument/2006/relationships" xmlns:p="http://schemas.openxmlformats.org/presentationml/2006/main" show="0">
   <p:cSld>
     <p:spTree>
       <p:nvGrpSpPr>
@@ -7574,6 +7709,14 @@
   <p:clrMapOvr>
     <a:masterClrMapping/>
   </p:clrMapOvr>
+  <mc:AlternateContent xmlns:mc="http://schemas.openxmlformats.org/markup-compatibility/2006">
+    <mc:Choice xmlns:p14="http://schemas.microsoft.com/office/powerpoint/2010/main" Requires="p14">
+      <p:transition spd="slow" p14:dur="2000"/>
+    </mc:Choice>
+    <mc:Fallback>
+      <p:transition spd="slow"/>
+    </mc:Fallback>
+  </mc:AlternateContent>
   <p:timing>
     <p:tnLst>
       <p:par>
@@ -7610,14 +7753,14 @@
           <p:nvPr>
             <p:extLst>
               <p:ext uri="{D42A27DB-BD31-4B8C-83A1-F6EECF244321}">
-                <p14:modId xmlns:p14="http://schemas.microsoft.com/office/powerpoint/2010/main" val="69840219"/>
+                <p14:modId xmlns:p14="http://schemas.microsoft.com/office/powerpoint/2010/main" val="3058919901"/>
               </p:ext>
             </p:extLst>
           </p:nvPr>
         </p:nvGraphicFramePr>
         <p:xfrm>
-          <a:off x="2001520" y="252306"/>
-          <a:ext cx="8128001" cy="6304280"/>
+          <a:off x="377686" y="0"/>
+          <a:ext cx="10375791" cy="7762240"/>
         </p:xfrm>
         <a:graphic>
           <a:graphicData uri="http://schemas.openxmlformats.org/drawingml/2006/table">
@@ -7626,49 +7769,49 @@
                 <a:tableStyleId>{5C22544A-7EE6-4342-B048-85BDC9FD1C3A}</a:tableStyleId>
               </a:tblPr>
               <a:tblGrid>
-                <a:gridCol w="1161143">
+                <a:gridCol w="2812775">
                   <a:extLst>
                     <a:ext uri="{9D8B030D-6E8A-4147-A177-3AD203B41FA5}">
                       <a16:colId xmlns:a16="http://schemas.microsoft.com/office/drawing/2014/main" val="68838624"/>
                     </a:ext>
                   </a:extLst>
                 </a:gridCol>
-                <a:gridCol w="1161143">
+                <a:gridCol w="1302026">
                   <a:extLst>
                     <a:ext uri="{9D8B030D-6E8A-4147-A177-3AD203B41FA5}">
                       <a16:colId xmlns:a16="http://schemas.microsoft.com/office/drawing/2014/main" val="4294840707"/>
                     </a:ext>
                   </a:extLst>
                 </a:gridCol>
-                <a:gridCol w="1161143">
+                <a:gridCol w="1249680">
                   <a:extLst>
                     <a:ext uri="{9D8B030D-6E8A-4147-A177-3AD203B41FA5}">
                       <a16:colId xmlns:a16="http://schemas.microsoft.com/office/drawing/2014/main" val="178266215"/>
                     </a:ext>
                   </a:extLst>
                 </a:gridCol>
-                <a:gridCol w="1161143">
+                <a:gridCol w="1249680">
                   <a:extLst>
                     <a:ext uri="{9D8B030D-6E8A-4147-A177-3AD203B41FA5}">
                       <a16:colId xmlns:a16="http://schemas.microsoft.com/office/drawing/2014/main" val="3903927293"/>
                     </a:ext>
                   </a:extLst>
                 </a:gridCol>
-                <a:gridCol w="1161143">
+                <a:gridCol w="1249680">
                   <a:extLst>
                     <a:ext uri="{9D8B030D-6E8A-4147-A177-3AD203B41FA5}">
                       <a16:colId xmlns:a16="http://schemas.microsoft.com/office/drawing/2014/main" val="3560391976"/>
                     </a:ext>
                   </a:extLst>
                 </a:gridCol>
-                <a:gridCol w="1161143">
+                <a:gridCol w="1262270">
                   <a:extLst>
                     <a:ext uri="{9D8B030D-6E8A-4147-A177-3AD203B41FA5}">
                       <a16:colId xmlns:a16="http://schemas.microsoft.com/office/drawing/2014/main" val="2374508118"/>
                     </a:ext>
                   </a:extLst>
                 </a:gridCol>
-                <a:gridCol w="1161143">
+                <a:gridCol w="1249680">
                   <a:extLst>
                     <a:ext uri="{9D8B030D-6E8A-4147-A177-3AD203B41FA5}">
                       <a16:colId xmlns:a16="http://schemas.microsoft.com/office/drawing/2014/main" val="2033222268"/>
@@ -7881,79 +8024,99 @@
                 </a:extLst>
               </a:tr>
               <a:tr h="370840">
-                <a:tc>
-                  <a:txBody>
-                    <a:bodyPr/>
-                    <a:lstStyle/>
-                    <a:p>
-                      <a:pPr algn="ctr"/>
-                      <a:endParaRPr lang="zh-CN" altLang="en-US" dirty="0"/>
-                    </a:p>
-                  </a:txBody>
-                  <a:tcPr/>
-                </a:tc>
-                <a:tc>
-                  <a:txBody>
-                    <a:bodyPr/>
-                    <a:lstStyle/>
-                    <a:p>
-                      <a:pPr algn="ctr"/>
-                      <a:endParaRPr lang="zh-CN" altLang="en-US" dirty="0"/>
-                    </a:p>
-                  </a:txBody>
-                  <a:tcPr/>
-                </a:tc>
-                <a:tc>
-                  <a:txBody>
-                    <a:bodyPr/>
-                    <a:lstStyle/>
-                    <a:p>
-                      <a:pPr algn="ctr"/>
-                      <a:endParaRPr lang="zh-CN" altLang="en-US"/>
-                    </a:p>
-                  </a:txBody>
-                  <a:tcPr/>
-                </a:tc>
-                <a:tc>
-                  <a:txBody>
-                    <a:bodyPr/>
-                    <a:lstStyle/>
-                    <a:p>
-                      <a:pPr algn="ctr"/>
-                      <a:endParaRPr lang="zh-CN" altLang="en-US"/>
-                    </a:p>
-                  </a:txBody>
-                  <a:tcPr/>
-                </a:tc>
-                <a:tc>
-                  <a:txBody>
-                    <a:bodyPr/>
-                    <a:lstStyle/>
-                    <a:p>
-                      <a:pPr algn="ctr"/>
-                      <a:endParaRPr lang="zh-CN" altLang="en-US"/>
-                    </a:p>
-                  </a:txBody>
-                  <a:tcPr/>
-                </a:tc>
-                <a:tc>
-                  <a:txBody>
-                    <a:bodyPr/>
-                    <a:lstStyle/>
-                    <a:p>
-                      <a:pPr algn="ctr"/>
-                      <a:endParaRPr lang="zh-CN" altLang="en-US"/>
-                    </a:p>
-                  </a:txBody>
-                  <a:tcPr/>
-                </a:tc>
-                <a:tc>
-                  <a:txBody>
-                    <a:bodyPr/>
-                    <a:lstStyle/>
-                    <a:p>
-                      <a:pPr algn="ctr"/>
-                      <a:endParaRPr lang="zh-CN" altLang="en-US"/>
+                <a:tc gridSpan="7">
+                  <a:txBody>
+                    <a:bodyPr/>
+                    <a:lstStyle/>
+                    <a:p>
+                      <a:pPr marL="0" marR="0" indent="0" algn="l" defTabSz="914400" rtl="0" eaLnBrk="1" fontAlgn="auto" latinLnBrk="0" hangingPunct="1">
+                        <a:lnSpc>
+                          <a:spcPct val="100000"/>
+                        </a:lnSpc>
+                        <a:spcBef>
+                          <a:spcPts val="0"/>
+                        </a:spcBef>
+                        <a:spcAft>
+                          <a:spcPts val="0"/>
+                        </a:spcAft>
+                        <a:buClrTx/>
+                        <a:buSzTx/>
+                        <a:buFontTx/>
+                        <a:buNone/>
+                        <a:tabLst/>
+                        <a:defRPr/>
+                      </a:pPr>
+                      <a:r>
+                        <a:rPr lang="en-US" altLang="zh-CN" b="1" dirty="0" smtClean="0"/>
+                        <a:t>Correlation Matrix</a:t>
+                      </a:r>
+                      <a:endParaRPr lang="zh-CN" altLang="en-US" b="1" dirty="0" smtClean="0"/>
+                    </a:p>
+                  </a:txBody>
+                  <a:tcPr/>
+                </a:tc>
+                <a:tc hMerge="1">
+                  <a:txBody>
+                    <a:bodyPr/>
+                    <a:lstStyle/>
+                    <a:p>
+                      <a:pPr algn="ctr"/>
+                      <a:endParaRPr lang="zh-CN" altLang="en-US" dirty="0"/>
+                    </a:p>
+                  </a:txBody>
+                  <a:tcPr/>
+                </a:tc>
+                <a:tc hMerge="1">
+                  <a:txBody>
+                    <a:bodyPr/>
+                    <a:lstStyle/>
+                    <a:p>
+                      <a:pPr algn="ctr"/>
+                      <a:endParaRPr lang="zh-CN" altLang="en-US" dirty="0"/>
+                    </a:p>
+                  </a:txBody>
+                  <a:tcPr/>
+                </a:tc>
+                <a:tc hMerge="1">
+                  <a:txBody>
+                    <a:bodyPr/>
+                    <a:lstStyle/>
+                    <a:p>
+                      <a:pPr algn="ctr"/>
+                      <a:endParaRPr lang="zh-CN" altLang="en-US" dirty="0"/>
+                    </a:p>
+                  </a:txBody>
+                  <a:tcPr/>
+                </a:tc>
+                <a:tc hMerge="1">
+                  <a:txBody>
+                    <a:bodyPr/>
+                    <a:lstStyle/>
+                    <a:p>
+                      <a:pPr algn="ctr"/>
+                      <a:endParaRPr lang="zh-CN" altLang="en-US" dirty="0"/>
+                    </a:p>
+                  </a:txBody>
+                  <a:tcPr/>
+                </a:tc>
+                <a:tc hMerge="1">
+                  <a:txBody>
+                    <a:bodyPr/>
+                    <a:lstStyle/>
+                    <a:p>
+                      <a:pPr algn="ctr"/>
+                      <a:endParaRPr lang="zh-CN" altLang="en-US" dirty="0"/>
+                    </a:p>
+                  </a:txBody>
+                  <a:tcPr/>
+                </a:tc>
+                <a:tc hMerge="1">
+                  <a:txBody>
+                    <a:bodyPr/>
+                    <a:lstStyle/>
+                    <a:p>
+                      <a:pPr algn="ctr"/>
+                      <a:endParaRPr lang="zh-CN" altLang="en-US" dirty="0"/>
                     </a:p>
                   </a:txBody>
                   <a:tcPr/>
@@ -7971,73 +8134,85 @@
                     <a:lstStyle/>
                     <a:p>
                       <a:pPr algn="ctr"/>
-                      <a:endParaRPr lang="zh-CN" altLang="en-US"/>
-                    </a:p>
-                  </a:txBody>
-                  <a:tcPr/>
-                </a:tc>
-                <a:tc>
-                  <a:txBody>
-                    <a:bodyPr/>
-                    <a:lstStyle/>
-                    <a:p>
-                      <a:pPr algn="ctr"/>
-                      <a:endParaRPr lang="zh-CN" altLang="en-US" dirty="0"/>
-                    </a:p>
-                  </a:txBody>
-                  <a:tcPr/>
-                </a:tc>
-                <a:tc>
-                  <a:txBody>
-                    <a:bodyPr/>
-                    <a:lstStyle/>
-                    <a:p>
-                      <a:pPr algn="ctr"/>
-                      <a:endParaRPr lang="zh-CN" altLang="en-US"/>
-                    </a:p>
-                  </a:txBody>
-                  <a:tcPr/>
-                </a:tc>
-                <a:tc>
-                  <a:txBody>
-                    <a:bodyPr/>
-                    <a:lstStyle/>
-                    <a:p>
-                      <a:pPr algn="ctr"/>
-                      <a:endParaRPr lang="zh-CN" altLang="en-US"/>
-                    </a:p>
-                  </a:txBody>
-                  <a:tcPr/>
-                </a:tc>
-                <a:tc>
-                  <a:txBody>
-                    <a:bodyPr/>
-                    <a:lstStyle/>
-                    <a:p>
-                      <a:pPr algn="ctr"/>
-                      <a:endParaRPr lang="zh-CN" altLang="en-US"/>
-                    </a:p>
-                  </a:txBody>
-                  <a:tcPr/>
-                </a:tc>
-                <a:tc>
-                  <a:txBody>
-                    <a:bodyPr/>
-                    <a:lstStyle/>
-                    <a:p>
-                      <a:pPr algn="ctr"/>
-                      <a:endParaRPr lang="zh-CN" altLang="en-US"/>
-                    </a:p>
-                  </a:txBody>
-                  <a:tcPr/>
-                </a:tc>
-                <a:tc>
-                  <a:txBody>
-                    <a:bodyPr/>
-                    <a:lstStyle/>
-                    <a:p>
-                      <a:pPr algn="ctr"/>
-                      <a:endParaRPr lang="zh-CN" altLang="en-US"/>
+                      <a:r>
+                        <a:rPr lang="en-US" altLang="zh-CN" dirty="0" smtClean="0"/>
+                        <a:t>GPU</a:t>
+                      </a:r>
+                      <a:endParaRPr lang="zh-CN" altLang="en-US" dirty="0"/>
+                    </a:p>
+                  </a:txBody>
+                  <a:tcPr/>
+                </a:tc>
+                <a:tc gridSpan="3">
+                  <a:txBody>
+                    <a:bodyPr/>
+                    <a:lstStyle/>
+                    <a:p>
+                      <a:pPr algn="l"/>
+                      <a:r>
+                        <a:rPr lang="en-US" altLang="zh-CN" dirty="0" smtClean="0"/>
+                        <a:t>2.596</a:t>
+                      </a:r>
+                      <a:endParaRPr lang="zh-CN" altLang="en-US" dirty="0"/>
+                    </a:p>
+                  </a:txBody>
+                  <a:tcPr/>
+                </a:tc>
+                <a:tc hMerge="1">
+                  <a:txBody>
+                    <a:bodyPr/>
+                    <a:lstStyle/>
+                    <a:p>
+                      <a:pPr algn="ctr"/>
+                      <a:endParaRPr lang="zh-CN" altLang="en-US" dirty="0"/>
+                    </a:p>
+                  </a:txBody>
+                  <a:tcPr/>
+                </a:tc>
+                <a:tc hMerge="1">
+                  <a:txBody>
+                    <a:bodyPr/>
+                    <a:lstStyle/>
+                    <a:p>
+                      <a:pPr algn="ctr"/>
+                      <a:endParaRPr lang="zh-CN" altLang="en-US" dirty="0"/>
+                    </a:p>
+                  </a:txBody>
+                  <a:tcPr/>
+                </a:tc>
+                <a:tc gridSpan="3">
+                  <a:txBody>
+                    <a:bodyPr/>
+                    <a:lstStyle/>
+                    <a:p>
+                      <a:pPr algn="l"/>
+                      <a:r>
+                        <a:rPr lang="en-US" altLang="zh-CN" dirty="0" smtClean="0"/>
+                        <a:t>2.807</a:t>
+                      </a:r>
+                      <a:endParaRPr lang="zh-CN" altLang="en-US" dirty="0"/>
+                    </a:p>
+                  </a:txBody>
+                  <a:tcPr/>
+                </a:tc>
+                <a:tc hMerge="1">
+                  <a:txBody>
+                    <a:bodyPr/>
+                    <a:lstStyle/>
+                    <a:p>
+                      <a:pPr algn="ctr"/>
+                      <a:endParaRPr lang="zh-CN" altLang="en-US" dirty="0"/>
+                    </a:p>
+                  </a:txBody>
+                  <a:tcPr/>
+                </a:tc>
+                <a:tc hMerge="1">
+                  <a:txBody>
+                    <a:bodyPr/>
+                    <a:lstStyle/>
+                    <a:p>
+                      <a:pPr algn="ctr"/>
+                      <a:endParaRPr lang="zh-CN" altLang="en-US" dirty="0"/>
                     </a:p>
                   </a:txBody>
                   <a:tcPr/>
@@ -8055,73 +8230,85 @@
                     <a:lstStyle/>
                     <a:p>
                       <a:pPr algn="ctr"/>
-                      <a:endParaRPr lang="zh-CN" altLang="en-US"/>
-                    </a:p>
-                  </a:txBody>
-                  <a:tcPr/>
-                </a:tc>
-                <a:tc>
-                  <a:txBody>
-                    <a:bodyPr/>
-                    <a:lstStyle/>
-                    <a:p>
-                      <a:pPr algn="ctr"/>
-                      <a:endParaRPr lang="zh-CN" altLang="en-US" dirty="0"/>
-                    </a:p>
-                  </a:txBody>
-                  <a:tcPr/>
-                </a:tc>
-                <a:tc>
-                  <a:txBody>
-                    <a:bodyPr/>
-                    <a:lstStyle/>
-                    <a:p>
-                      <a:pPr algn="ctr"/>
-                      <a:endParaRPr lang="zh-CN" altLang="en-US"/>
-                    </a:p>
-                  </a:txBody>
-                  <a:tcPr/>
-                </a:tc>
-                <a:tc>
-                  <a:txBody>
-                    <a:bodyPr/>
-                    <a:lstStyle/>
-                    <a:p>
-                      <a:pPr algn="ctr"/>
-                      <a:endParaRPr lang="zh-CN" altLang="en-US"/>
-                    </a:p>
-                  </a:txBody>
-                  <a:tcPr/>
-                </a:tc>
-                <a:tc>
-                  <a:txBody>
-                    <a:bodyPr/>
-                    <a:lstStyle/>
-                    <a:p>
-                      <a:pPr algn="ctr"/>
-                      <a:endParaRPr lang="zh-CN" altLang="en-US"/>
-                    </a:p>
-                  </a:txBody>
-                  <a:tcPr/>
-                </a:tc>
-                <a:tc>
-                  <a:txBody>
-                    <a:bodyPr/>
-                    <a:lstStyle/>
-                    <a:p>
-                      <a:pPr algn="ctr"/>
-                      <a:endParaRPr lang="zh-CN" altLang="en-US"/>
-                    </a:p>
-                  </a:txBody>
-                  <a:tcPr/>
-                </a:tc>
-                <a:tc>
-                  <a:txBody>
-                    <a:bodyPr/>
-                    <a:lstStyle/>
-                    <a:p>
-                      <a:pPr algn="ctr"/>
-                      <a:endParaRPr lang="zh-CN" altLang="en-US"/>
+                      <a:r>
+                        <a:rPr lang="en-US" altLang="zh-CN" dirty="0" smtClean="0"/>
+                        <a:t>1-thread CPU</a:t>
+                      </a:r>
+                      <a:endParaRPr lang="zh-CN" altLang="en-US" dirty="0"/>
+                    </a:p>
+                  </a:txBody>
+                  <a:tcPr/>
+                </a:tc>
+                <a:tc gridSpan="3">
+                  <a:txBody>
+                    <a:bodyPr/>
+                    <a:lstStyle/>
+                    <a:p>
+                      <a:pPr algn="l"/>
+                      <a:r>
+                        <a:rPr lang="en-US" altLang="zh-CN" dirty="0" smtClean="0"/>
+                        <a:t>64.573</a:t>
+                      </a:r>
+                      <a:endParaRPr lang="zh-CN" altLang="en-US" dirty="0"/>
+                    </a:p>
+                  </a:txBody>
+                  <a:tcPr/>
+                </a:tc>
+                <a:tc hMerge="1">
+                  <a:txBody>
+                    <a:bodyPr/>
+                    <a:lstStyle/>
+                    <a:p>
+                      <a:pPr algn="ctr"/>
+                      <a:endParaRPr lang="zh-CN" altLang="en-US" dirty="0"/>
+                    </a:p>
+                  </a:txBody>
+                  <a:tcPr/>
+                </a:tc>
+                <a:tc hMerge="1">
+                  <a:txBody>
+                    <a:bodyPr/>
+                    <a:lstStyle/>
+                    <a:p>
+                      <a:pPr algn="ctr"/>
+                      <a:endParaRPr lang="zh-CN" altLang="en-US" dirty="0"/>
+                    </a:p>
+                  </a:txBody>
+                  <a:tcPr/>
+                </a:tc>
+                <a:tc gridSpan="3">
+                  <a:txBody>
+                    <a:bodyPr/>
+                    <a:lstStyle/>
+                    <a:p>
+                      <a:pPr algn="l"/>
+                      <a:r>
+                        <a:rPr lang="en-US" altLang="zh-CN" dirty="0" smtClean="0"/>
+                        <a:t>65.747</a:t>
+                      </a:r>
+                      <a:endParaRPr lang="zh-CN" altLang="en-US" dirty="0"/>
+                    </a:p>
+                  </a:txBody>
+                  <a:tcPr/>
+                </a:tc>
+                <a:tc hMerge="1">
+                  <a:txBody>
+                    <a:bodyPr/>
+                    <a:lstStyle/>
+                    <a:p>
+                      <a:pPr algn="ctr"/>
+                      <a:endParaRPr lang="zh-CN" altLang="en-US" dirty="0"/>
+                    </a:p>
+                  </a:txBody>
+                  <a:tcPr/>
+                </a:tc>
+                <a:tc hMerge="1">
+                  <a:txBody>
+                    <a:bodyPr/>
+                    <a:lstStyle/>
+                    <a:p>
+                      <a:pPr algn="ctr"/>
+                      <a:endParaRPr lang="zh-CN" altLang="en-US" dirty="0"/>
                     </a:p>
                   </a:txBody>
                   <a:tcPr/>
@@ -8139,73 +8326,85 @@
                     <a:lstStyle/>
                     <a:p>
                       <a:pPr algn="ctr"/>
-                      <a:endParaRPr lang="zh-CN" altLang="en-US"/>
-                    </a:p>
-                  </a:txBody>
-                  <a:tcPr/>
-                </a:tc>
-                <a:tc>
-                  <a:txBody>
-                    <a:bodyPr/>
-                    <a:lstStyle/>
-                    <a:p>
-                      <a:pPr algn="ctr"/>
-                      <a:endParaRPr lang="zh-CN" altLang="en-US" dirty="0"/>
-                    </a:p>
-                  </a:txBody>
-                  <a:tcPr/>
-                </a:tc>
-                <a:tc>
-                  <a:txBody>
-                    <a:bodyPr/>
-                    <a:lstStyle/>
-                    <a:p>
-                      <a:pPr algn="ctr"/>
-                      <a:endParaRPr lang="zh-CN" altLang="en-US" dirty="0"/>
-                    </a:p>
-                  </a:txBody>
-                  <a:tcPr/>
-                </a:tc>
-                <a:tc>
-                  <a:txBody>
-                    <a:bodyPr/>
-                    <a:lstStyle/>
-                    <a:p>
-                      <a:pPr algn="ctr"/>
-                      <a:endParaRPr lang="zh-CN" altLang="en-US"/>
-                    </a:p>
-                  </a:txBody>
-                  <a:tcPr/>
-                </a:tc>
-                <a:tc>
-                  <a:txBody>
-                    <a:bodyPr/>
-                    <a:lstStyle/>
-                    <a:p>
-                      <a:pPr algn="ctr"/>
-                      <a:endParaRPr lang="zh-CN" altLang="en-US"/>
-                    </a:p>
-                  </a:txBody>
-                  <a:tcPr/>
-                </a:tc>
-                <a:tc>
-                  <a:txBody>
-                    <a:bodyPr/>
-                    <a:lstStyle/>
-                    <a:p>
-                      <a:pPr algn="ctr"/>
-                      <a:endParaRPr lang="zh-CN" altLang="en-US"/>
-                    </a:p>
-                  </a:txBody>
-                  <a:tcPr/>
-                </a:tc>
-                <a:tc>
-                  <a:txBody>
-                    <a:bodyPr/>
-                    <a:lstStyle/>
-                    <a:p>
-                      <a:pPr algn="ctr"/>
-                      <a:endParaRPr lang="zh-CN" altLang="en-US"/>
+                      <a:r>
+                        <a:rPr lang="en-US" altLang="zh-CN" dirty="0" smtClean="0"/>
+                        <a:t>Speedup</a:t>
+                      </a:r>
+                      <a:endParaRPr lang="zh-CN" altLang="en-US" dirty="0"/>
+                    </a:p>
+                  </a:txBody>
+                  <a:tcPr/>
+                </a:tc>
+                <a:tc gridSpan="3">
+                  <a:txBody>
+                    <a:bodyPr/>
+                    <a:lstStyle/>
+                    <a:p>
+                      <a:pPr algn="l"/>
+                      <a:r>
+                        <a:rPr lang="en-US" altLang="zh-CN" dirty="0" smtClean="0"/>
+                        <a:t>24.874</a:t>
+                      </a:r>
+                      <a:endParaRPr lang="zh-CN" altLang="en-US" dirty="0"/>
+                    </a:p>
+                  </a:txBody>
+                  <a:tcPr/>
+                </a:tc>
+                <a:tc hMerge="1">
+                  <a:txBody>
+                    <a:bodyPr/>
+                    <a:lstStyle/>
+                    <a:p>
+                      <a:pPr algn="ctr"/>
+                      <a:endParaRPr lang="zh-CN" altLang="en-US" dirty="0"/>
+                    </a:p>
+                  </a:txBody>
+                  <a:tcPr/>
+                </a:tc>
+                <a:tc hMerge="1">
+                  <a:txBody>
+                    <a:bodyPr/>
+                    <a:lstStyle/>
+                    <a:p>
+                      <a:pPr algn="ctr"/>
+                      <a:endParaRPr lang="zh-CN" altLang="en-US" dirty="0"/>
+                    </a:p>
+                  </a:txBody>
+                  <a:tcPr/>
+                </a:tc>
+                <a:tc gridSpan="3">
+                  <a:txBody>
+                    <a:bodyPr/>
+                    <a:lstStyle/>
+                    <a:p>
+                      <a:pPr algn="l"/>
+                      <a:r>
+                        <a:rPr lang="en-US" altLang="zh-CN" dirty="0" smtClean="0"/>
+                        <a:t>23.422</a:t>
+                      </a:r>
+                      <a:endParaRPr lang="zh-CN" altLang="en-US" dirty="0"/>
+                    </a:p>
+                  </a:txBody>
+                  <a:tcPr/>
+                </a:tc>
+                <a:tc hMerge="1">
+                  <a:txBody>
+                    <a:bodyPr/>
+                    <a:lstStyle/>
+                    <a:p>
+                      <a:pPr algn="ctr"/>
+                      <a:endParaRPr lang="zh-CN" altLang="en-US" dirty="0"/>
+                    </a:p>
+                  </a:txBody>
+                  <a:tcPr/>
+                </a:tc>
+                <a:tc hMerge="1">
+                  <a:txBody>
+                    <a:bodyPr/>
+                    <a:lstStyle/>
+                    <a:p>
+                      <a:pPr algn="ctr"/>
+                      <a:endParaRPr lang="zh-CN" altLang="en-US" dirty="0"/>
                     </a:p>
                   </a:txBody>
                   <a:tcPr/>
@@ -8217,79 +8416,83 @@
                 </a:extLst>
               </a:tr>
               <a:tr h="370840">
-                <a:tc>
-                  <a:txBody>
-                    <a:bodyPr/>
-                    <a:lstStyle/>
-                    <a:p>
-                      <a:pPr algn="ctr"/>
-                      <a:endParaRPr lang="zh-CN" altLang="en-US"/>
-                    </a:p>
-                  </a:txBody>
-                  <a:tcPr/>
-                </a:tc>
-                <a:tc>
-                  <a:txBody>
-                    <a:bodyPr/>
-                    <a:lstStyle/>
-                    <a:p>
-                      <a:pPr algn="ctr"/>
-                      <a:endParaRPr lang="zh-CN" altLang="en-US"/>
-                    </a:p>
-                  </a:txBody>
-                  <a:tcPr/>
-                </a:tc>
-                <a:tc>
-                  <a:txBody>
-                    <a:bodyPr/>
-                    <a:lstStyle/>
-                    <a:p>
-                      <a:pPr algn="ctr"/>
-                      <a:endParaRPr lang="zh-CN" altLang="en-US" dirty="0"/>
-                    </a:p>
-                  </a:txBody>
-                  <a:tcPr/>
-                </a:tc>
-                <a:tc>
-                  <a:txBody>
-                    <a:bodyPr/>
-                    <a:lstStyle/>
-                    <a:p>
-                      <a:pPr algn="ctr"/>
-                      <a:endParaRPr lang="zh-CN" altLang="en-US"/>
-                    </a:p>
-                  </a:txBody>
-                  <a:tcPr/>
-                </a:tc>
-                <a:tc>
-                  <a:txBody>
-                    <a:bodyPr/>
-                    <a:lstStyle/>
-                    <a:p>
-                      <a:pPr algn="ctr"/>
-                      <a:endParaRPr lang="zh-CN" altLang="en-US"/>
-                    </a:p>
-                  </a:txBody>
-                  <a:tcPr/>
-                </a:tc>
-                <a:tc>
-                  <a:txBody>
-                    <a:bodyPr/>
-                    <a:lstStyle/>
-                    <a:p>
-                      <a:pPr algn="ctr"/>
-                      <a:endParaRPr lang="zh-CN" altLang="en-US"/>
-                    </a:p>
-                  </a:txBody>
-                  <a:tcPr/>
-                </a:tc>
-                <a:tc>
-                  <a:txBody>
-                    <a:bodyPr/>
-                    <a:lstStyle/>
-                    <a:p>
-                      <a:pPr algn="ctr"/>
-                      <a:endParaRPr lang="zh-CN" altLang="en-US"/>
+                <a:tc gridSpan="7">
+                  <a:txBody>
+                    <a:bodyPr/>
+                    <a:lstStyle/>
+                    <a:p>
+                      <a:pPr algn="l"/>
+                      <a:r>
+                        <a:rPr lang="en-US" altLang="zh-CN" b="1" dirty="0" smtClean="0"/>
+                        <a:t>All-Pairs-Shortest-Path</a:t>
+                      </a:r>
+                      <a:endParaRPr lang="zh-CN" altLang="en-US" b="1" dirty="0"/>
+                    </a:p>
+                  </a:txBody>
+                  <a:tcPr/>
+                </a:tc>
+                <a:tc hMerge="1">
+                  <a:txBody>
+                    <a:bodyPr/>
+                    <a:lstStyle/>
+                    <a:p>
+                      <a:pPr algn="ctr"/>
+                      <a:endParaRPr lang="zh-CN" altLang="en-US" dirty="0"/>
+                    </a:p>
+                  </a:txBody>
+                  <a:tcPr/>
+                </a:tc>
+                <a:tc hMerge="1">
+                  <a:txBody>
+                    <a:bodyPr/>
+                    <a:lstStyle/>
+                    <a:p>
+                      <a:pPr algn="ctr"/>
+                      <a:endParaRPr lang="zh-CN" altLang="en-US" dirty="0"/>
+                    </a:p>
+                  </a:txBody>
+                  <a:tcPr/>
+                </a:tc>
+                <a:tc hMerge="1">
+                  <a:txBody>
+                    <a:bodyPr/>
+                    <a:lstStyle/>
+                    <a:p>
+                      <a:pPr algn="ctr"/>
+                      <a:endParaRPr lang="zh-CN" altLang="en-US" dirty="0"/>
+                    </a:p>
+                  </a:txBody>
+                  <a:tcPr/>
+                </a:tc>
+                <a:tc hMerge="1">
+                  <a:txBody>
+                    <a:bodyPr/>
+                    <a:lstStyle/>
+                    <a:p>
+                      <a:pPr algn="ctr"/>
+                      <a:endParaRPr lang="zh-CN" altLang="en-US" dirty="0"/>
+                    </a:p>
+                  </a:txBody>
+                  <a:tcPr/>
+                </a:tc>
+                <a:tc hMerge="1">
+                  <a:txBody>
+                    <a:bodyPr/>
+                    <a:lstStyle/>
+                    <a:p>
+                      <a:pPr algn="ctr"/>
+                      <a:endParaRPr lang="zh-CN" altLang="en-US" dirty="0"/>
+                    </a:p>
+                  </a:txBody>
+                  <a:tcPr/>
+                </a:tc>
+                <a:tc hMerge="1">
+                  <a:txBody>
+                    <a:bodyPr/>
+                    <a:lstStyle/>
+                    <a:p>
+                      <a:pPr algn="ctr"/>
+                      <a:endParaRPr lang="zh-CN" altLang="en-US" dirty="0"/>
                     </a:p>
                   </a:txBody>
                   <a:tcPr/>
@@ -8307,7 +8510,11 @@
                     <a:lstStyle/>
                     <a:p>
                       <a:pPr algn="ctr"/>
-                      <a:endParaRPr lang="zh-CN" altLang="en-US"/>
+                      <a:r>
+                        <a:rPr lang="en-US" altLang="zh-CN" dirty="0" smtClean="0"/>
+                        <a:t>GPU BFW</a:t>
+                      </a:r>
+                      <a:endParaRPr lang="zh-CN" altLang="en-US" dirty="0"/>
                     </a:p>
                   </a:txBody>
                   <a:tcPr/>
@@ -8318,7 +8525,11 @@
                     <a:lstStyle/>
                     <a:p>
                       <a:pPr algn="ctr"/>
-                      <a:endParaRPr lang="zh-CN" altLang="en-US"/>
+                      <a:r>
+                        <a:rPr lang="en-US" altLang="zh-CN" dirty="0" smtClean="0"/>
+                        <a:t>145.255</a:t>
+                      </a:r>
+                      <a:endParaRPr lang="zh-CN" altLang="en-US" dirty="0"/>
                     </a:p>
                   </a:txBody>
                   <a:tcPr/>
@@ -8329,6 +8540,10 @@
                     <a:lstStyle/>
                     <a:p>
                       <a:pPr algn="ctr"/>
+                      <a:r>
+                        <a:rPr lang="en-US" altLang="zh-CN" dirty="0" smtClean="0"/>
+                        <a:t>203.635</a:t>
+                      </a:r>
                       <a:endParaRPr lang="zh-CN" altLang="en-US" dirty="0"/>
                     </a:p>
                   </a:txBody>
@@ -8340,7 +8555,11 @@
                     <a:lstStyle/>
                     <a:p>
                       <a:pPr algn="ctr"/>
-                      <a:endParaRPr lang="zh-CN" altLang="en-US"/>
+                      <a:r>
+                        <a:rPr lang="en-US" altLang="zh-CN" dirty="0" smtClean="0"/>
+                        <a:t>147.775</a:t>
+                      </a:r>
+                      <a:endParaRPr lang="zh-CN" altLang="en-US" dirty="0"/>
                     </a:p>
                   </a:txBody>
                   <a:tcPr/>
@@ -8351,7 +8570,11 @@
                     <a:lstStyle/>
                     <a:p>
                       <a:pPr algn="ctr"/>
-                      <a:endParaRPr lang="zh-CN" altLang="en-US"/>
+                      <a:r>
+                        <a:rPr lang="en-US" altLang="zh-CN" dirty="0" smtClean="0"/>
+                        <a:t>144.069</a:t>
+                      </a:r>
+                      <a:endParaRPr lang="zh-CN" altLang="en-US" dirty="0"/>
                     </a:p>
                   </a:txBody>
                   <a:tcPr/>
@@ -8362,7 +8585,11 @@
                     <a:lstStyle/>
                     <a:p>
                       <a:pPr algn="ctr"/>
-                      <a:endParaRPr lang="zh-CN" altLang="en-US"/>
+                      <a:r>
+                        <a:rPr lang="en-US" altLang="zh-CN" dirty="0" smtClean="0"/>
+                        <a:t>166.695</a:t>
+                      </a:r>
+                      <a:endParaRPr lang="zh-CN" altLang="en-US" dirty="0"/>
                     </a:p>
                   </a:txBody>
                   <a:tcPr/>
@@ -8373,7 +8600,11 @@
                     <a:lstStyle/>
                     <a:p>
                       <a:pPr algn="ctr"/>
-                      <a:endParaRPr lang="zh-CN" altLang="en-US"/>
+                      <a:r>
+                        <a:rPr lang="en-US" altLang="zh-CN" dirty="0" smtClean="0"/>
+                        <a:t>144.902</a:t>
+                      </a:r>
+                      <a:endParaRPr lang="zh-CN" altLang="en-US" dirty="0"/>
                     </a:p>
                   </a:txBody>
                   <a:tcPr/>
@@ -8391,6 +8622,21 @@
                     <a:lstStyle/>
                     <a:p>
                       <a:pPr algn="ctr"/>
+                      <a:r>
+                        <a:rPr lang="en-US" altLang="zh-CN" dirty="0" smtClean="0"/>
+                        <a:t>1-thread CPU BFW</a:t>
+                      </a:r>
+                      <a:endParaRPr lang="zh-CN" altLang="en-US" dirty="0"/>
+                    </a:p>
+                  </a:txBody>
+                  <a:tcPr/>
+                </a:tc>
+                <a:tc>
+                  <a:txBody>
+                    <a:bodyPr/>
+                    <a:lstStyle/>
+                    <a:p>
+                      <a:pPr algn="ctr"/>
                       <a:endParaRPr lang="zh-CN" altLang="en-US"/>
                     </a:p>
                   </a:txBody>
@@ -8424,18 +8670,7 @@
                     <a:lstStyle/>
                     <a:p>
                       <a:pPr algn="ctr"/>
-                      <a:endParaRPr lang="zh-CN" altLang="en-US"/>
-                    </a:p>
-                  </a:txBody>
-                  <a:tcPr/>
-                </a:tc>
-                <a:tc>
-                  <a:txBody>
-                    <a:bodyPr/>
-                    <a:lstStyle/>
-                    <a:p>
-                      <a:pPr algn="ctr"/>
-                      <a:endParaRPr lang="zh-CN" altLang="en-US"/>
+                      <a:endParaRPr lang="zh-CN" altLang="en-US" dirty="0"/>
                     </a:p>
                   </a:txBody>
                   <a:tcPr/>
@@ -8474,74 +8709,102 @@
                     <a:bodyPr/>
                     <a:lstStyle/>
                     <a:p>
-                      <a:pPr algn="ctr"/>
-                      <a:endParaRPr lang="zh-CN" altLang="en-US"/>
-                    </a:p>
-                  </a:txBody>
-                  <a:tcPr/>
-                </a:tc>
-                <a:tc>
-                  <a:txBody>
-                    <a:bodyPr/>
-                    <a:lstStyle/>
-                    <a:p>
-                      <a:pPr algn="ctr"/>
-                      <a:endParaRPr lang="zh-CN" altLang="en-US"/>
-                    </a:p>
-                  </a:txBody>
-                  <a:tcPr/>
-                </a:tc>
-                <a:tc>
-                  <a:txBody>
-                    <a:bodyPr/>
-                    <a:lstStyle/>
-                    <a:p>
-                      <a:pPr algn="ctr"/>
-                      <a:endParaRPr lang="zh-CN" altLang="en-US"/>
-                    </a:p>
-                  </a:txBody>
-                  <a:tcPr/>
-                </a:tc>
-                <a:tc>
-                  <a:txBody>
-                    <a:bodyPr/>
-                    <a:lstStyle/>
-                    <a:p>
-                      <a:pPr algn="ctr"/>
-                      <a:endParaRPr lang="zh-CN" altLang="en-US" dirty="0"/>
-                    </a:p>
-                  </a:txBody>
-                  <a:tcPr/>
-                </a:tc>
-                <a:tc>
-                  <a:txBody>
-                    <a:bodyPr/>
-                    <a:lstStyle/>
-                    <a:p>
-                      <a:pPr algn="ctr"/>
-                      <a:endParaRPr lang="zh-CN" altLang="en-US"/>
-                    </a:p>
-                  </a:txBody>
-                  <a:tcPr/>
-                </a:tc>
-                <a:tc>
-                  <a:txBody>
-                    <a:bodyPr/>
-                    <a:lstStyle/>
-                    <a:p>
-                      <a:pPr algn="ctr"/>
-                      <a:endParaRPr lang="zh-CN" altLang="en-US"/>
-                    </a:p>
-                  </a:txBody>
-                  <a:tcPr/>
-                </a:tc>
-                <a:tc>
-                  <a:txBody>
-                    <a:bodyPr/>
-                    <a:lstStyle/>
-                    <a:p>
-                      <a:pPr algn="ctr"/>
-                      <a:endParaRPr lang="zh-CN" altLang="en-US"/>
+                      <a:pPr marL="0" marR="0" indent="0" algn="ctr" defTabSz="914400" rtl="0" eaLnBrk="1" fontAlgn="auto" latinLnBrk="0" hangingPunct="1">
+                        <a:lnSpc>
+                          <a:spcPct val="100000"/>
+                        </a:lnSpc>
+                        <a:spcBef>
+                          <a:spcPts val="0"/>
+                        </a:spcBef>
+                        <a:spcAft>
+                          <a:spcPts val="0"/>
+                        </a:spcAft>
+                        <a:buClrTx/>
+                        <a:buSzTx/>
+                        <a:buFontTx/>
+                        <a:buNone/>
+                        <a:tabLst/>
+                        <a:defRPr/>
+                      </a:pPr>
+                      <a:r>
+                        <a:rPr lang="en-US" altLang="zh-CN" dirty="0" smtClean="0"/>
+                        <a:t>Speedup</a:t>
+                      </a:r>
+                      <a:endParaRPr lang="zh-CN" altLang="en-US" dirty="0" smtClean="0"/>
+                    </a:p>
+                  </a:txBody>
+                  <a:tcPr/>
+                </a:tc>
+                <a:tc gridSpan="3">
+                  <a:txBody>
+                    <a:bodyPr/>
+                    <a:lstStyle/>
+                    <a:p>
+                      <a:pPr algn="l"/>
+                      <a:r>
+                        <a:rPr lang="en-US" altLang="zh-CN" dirty="0" smtClean="0"/>
+                        <a:t>&gt;200</a:t>
+                      </a:r>
+                      <a:endParaRPr lang="zh-CN" altLang="en-US" dirty="0"/>
+                    </a:p>
+                  </a:txBody>
+                  <a:tcPr/>
+                </a:tc>
+                <a:tc hMerge="1">
+                  <a:txBody>
+                    <a:bodyPr/>
+                    <a:lstStyle/>
+                    <a:p>
+                      <a:pPr algn="ctr"/>
+                      <a:endParaRPr lang="zh-CN" altLang="en-US" dirty="0"/>
+                    </a:p>
+                  </a:txBody>
+                  <a:tcPr/>
+                </a:tc>
+                <a:tc hMerge="1">
+                  <a:txBody>
+                    <a:bodyPr/>
+                    <a:lstStyle/>
+                    <a:p>
+                      <a:pPr algn="ctr"/>
+                      <a:endParaRPr lang="zh-CN" altLang="en-US" dirty="0"/>
+                    </a:p>
+                  </a:txBody>
+                  <a:tcPr/>
+                </a:tc>
+                <a:tc gridSpan="3">
+                  <a:txBody>
+                    <a:bodyPr/>
+                    <a:lstStyle/>
+                    <a:p>
+                      <a:pPr algn="l"/>
+                      <a:r>
+                        <a:rPr lang="en-US" altLang="zh-CN" dirty="0" smtClean="0"/>
+                        <a:t>&gt;200</a:t>
+                      </a:r>
+                      <a:endParaRPr lang="zh-CN" altLang="en-US" dirty="0"/>
+                    </a:p>
+                  </a:txBody>
+                  <a:tcPr/>
+                </a:tc>
+                <a:tc hMerge="1">
+                  <a:txBody>
+                    <a:bodyPr/>
+                    <a:lstStyle/>
+                    <a:p>
+                      <a:pPr algn="ctr"/>
+                      <a:endParaRPr lang="zh-CN" altLang="en-US" dirty="0"/>
+                    </a:p>
+                  </a:txBody>
+                  <a:tcPr/>
+                </a:tc>
+                <a:tc hMerge="1">
+                  <a:txBody>
+                    <a:bodyPr/>
+                    <a:lstStyle/>
+                    <a:p>
+                      <a:pPr algn="ctr"/>
+                      <a:endParaRPr lang="zh-CN" altLang="en-US" dirty="0"/>
                     </a:p>
                   </a:txBody>
                   <a:tcPr/>
@@ -8559,7 +8822,11 @@
                     <a:lstStyle/>
                     <a:p>
                       <a:pPr algn="ctr"/>
-                      <a:endParaRPr lang="zh-CN" altLang="en-US"/>
+                      <a:r>
+                        <a:rPr lang="en-US" altLang="zh-CN" dirty="0" smtClean="0"/>
+                        <a:t>8-thread BFS </a:t>
+                      </a:r>
+                      <a:endParaRPr lang="zh-CN" altLang="en-US" dirty="0"/>
                     </a:p>
                   </a:txBody>
                   <a:tcPr/>
@@ -8570,7 +8837,11 @@
                     <a:lstStyle/>
                     <a:p>
                       <a:pPr algn="ctr"/>
-                      <a:endParaRPr lang="zh-CN" altLang="en-US"/>
+                      <a:r>
+                        <a:rPr lang="en-US" altLang="zh-CN" dirty="0" smtClean="0"/>
+                        <a:t>93.4959</a:t>
+                      </a:r>
+                      <a:endParaRPr lang="zh-CN" altLang="en-US" dirty="0"/>
                     </a:p>
                   </a:txBody>
                   <a:tcPr/>
@@ -8581,7 +8852,11 @@
                     <a:lstStyle/>
                     <a:p>
                       <a:pPr algn="ctr"/>
-                      <a:endParaRPr lang="zh-CN" altLang="en-US"/>
+                      <a:r>
+                        <a:rPr lang="en-US" altLang="zh-CN" dirty="0" smtClean="0"/>
+                        <a:t>175.526</a:t>
+                      </a:r>
+                      <a:endParaRPr lang="zh-CN" altLang="en-US" dirty="0"/>
                     </a:p>
                   </a:txBody>
                   <a:tcPr/>
@@ -8592,40 +8867,94 @@
                     <a:lstStyle/>
                     <a:p>
                       <a:pPr algn="ctr"/>
-                      <a:endParaRPr lang="zh-CN" altLang="en-US"/>
-                    </a:p>
-                  </a:txBody>
-                  <a:tcPr/>
-                </a:tc>
-                <a:tc>
-                  <a:txBody>
-                    <a:bodyPr/>
-                    <a:lstStyle/>
-                    <a:p>
-                      <a:pPr algn="ctr"/>
-                      <a:endParaRPr lang="zh-CN" altLang="en-US" dirty="0"/>
-                    </a:p>
-                  </a:txBody>
-                  <a:tcPr/>
-                </a:tc>
-                <a:tc>
-                  <a:txBody>
-                    <a:bodyPr/>
-                    <a:lstStyle/>
-                    <a:p>
-                      <a:pPr algn="ctr"/>
-                      <a:endParaRPr lang="zh-CN" altLang="en-US"/>
-                    </a:p>
-                  </a:txBody>
-                  <a:tcPr/>
-                </a:tc>
-                <a:tc>
-                  <a:txBody>
-                    <a:bodyPr/>
-                    <a:lstStyle/>
-                    <a:p>
-                      <a:pPr algn="ctr"/>
-                      <a:endParaRPr lang="zh-CN" altLang="en-US"/>
+                      <a:r>
+                        <a:rPr lang="en-US" altLang="zh-CN" dirty="0" smtClean="0"/>
+                        <a:t>253.841</a:t>
+                      </a:r>
+                      <a:endParaRPr lang="zh-CN" altLang="en-US" dirty="0"/>
+                    </a:p>
+                  </a:txBody>
+                  <a:tcPr/>
+                </a:tc>
+                <a:tc rowSpan="3" gridSpan="3">
+                  <a:txBody>
+                    <a:bodyPr/>
+                    <a:lstStyle/>
+                    <a:p>
+                      <a:pPr marL="0" marR="0" lvl="0" indent="0" algn="ctr" defTabSz="914400" rtl="0" eaLnBrk="1" fontAlgn="auto" latinLnBrk="0" hangingPunct="1">
+                        <a:lnSpc>
+                          <a:spcPct val="100000"/>
+                        </a:lnSpc>
+                        <a:spcBef>
+                          <a:spcPts val="0"/>
+                        </a:spcBef>
+                        <a:spcAft>
+                          <a:spcPts val="0"/>
+                        </a:spcAft>
+                        <a:buClrTx/>
+                        <a:buSzTx/>
+                        <a:buFontTx/>
+                        <a:buNone/>
+                        <a:tabLst/>
+                        <a:defRPr/>
+                      </a:pPr>
+                      <a:r>
+                        <a:rPr kumimoji="0" lang="en-US" altLang="zh-CN" sz="3200" b="0" i="0" u="none" strike="noStrike" kern="1200" cap="none" spc="0" normalizeH="0" baseline="0" noProof="0" dirty="0" smtClean="0">
+                          <a:ln>
+                            <a:noFill/>
+                          </a:ln>
+                          <a:solidFill>
+                            <a:prstClr val="black"/>
+                          </a:solidFill>
+                          <a:effectLst/>
+                          <a:uLnTx/>
+                          <a:uFillTx/>
+                          <a:latin typeface="+mn-lt"/>
+                          <a:ea typeface="+mn-ea"/>
+                          <a:cs typeface="+mn-cs"/>
+                        </a:rPr>
+                        <a:t>\</a:t>
+                      </a:r>
+                      <a:endParaRPr kumimoji="0" lang="zh-CN" altLang="en-US" sz="3200" b="0" i="0" u="none" strike="noStrike" kern="1200" cap="none" spc="0" normalizeH="0" baseline="0" noProof="0" dirty="0" smtClean="0">
+                        <a:ln>
+                          <a:noFill/>
+                        </a:ln>
+                        <a:solidFill>
+                          <a:prstClr val="black"/>
+                        </a:solidFill>
+                        <a:effectLst/>
+                        <a:uLnTx/>
+                        <a:uFillTx/>
+                        <a:latin typeface="+mn-lt"/>
+                        <a:ea typeface="+mn-ea"/>
+                        <a:cs typeface="+mn-cs"/>
+                      </a:endParaRPr>
+                    </a:p>
+                    <a:p>
+                      <a:pPr algn="ctr"/>
+                      <a:endParaRPr lang="zh-CN" altLang="en-US" dirty="0"/>
+                    </a:p>
+                  </a:txBody>
+                  <a:tcPr anchor="ctr"/>
+                </a:tc>
+                <a:tc rowSpan="3" hMerge="1">
+                  <a:txBody>
+                    <a:bodyPr/>
+                    <a:lstStyle/>
+                    <a:p>
+                      <a:pPr algn="ctr"/>
+                      <a:endParaRPr lang="zh-CN" altLang="en-US" dirty="0"/>
+                    </a:p>
+                  </a:txBody>
+                  <a:tcPr/>
+                </a:tc>
+                <a:tc rowSpan="3" hMerge="1">
+                  <a:txBody>
+                    <a:bodyPr/>
+                    <a:lstStyle/>
+                    <a:p>
+                      <a:pPr algn="ctr"/>
+                      <a:endParaRPr lang="zh-CN" altLang="en-US" dirty="0"/>
                     </a:p>
                   </a:txBody>
                   <a:tcPr/>
@@ -8642,8 +8971,28 @@
                     <a:bodyPr/>
                     <a:lstStyle/>
                     <a:p>
-                      <a:pPr algn="ctr"/>
-                      <a:endParaRPr lang="zh-CN" altLang="en-US"/>
+                      <a:pPr marL="0" marR="0" indent="0" algn="ctr" defTabSz="914400" rtl="0" eaLnBrk="1" fontAlgn="auto" latinLnBrk="0" hangingPunct="1">
+                        <a:lnSpc>
+                          <a:spcPct val="100000"/>
+                        </a:lnSpc>
+                        <a:spcBef>
+                          <a:spcPts val="0"/>
+                        </a:spcBef>
+                        <a:spcAft>
+                          <a:spcPts val="0"/>
+                        </a:spcAft>
+                        <a:buClrTx/>
+                        <a:buSzTx/>
+                        <a:buFontTx/>
+                        <a:buNone/>
+                        <a:tabLst/>
+                        <a:defRPr/>
+                      </a:pPr>
+                      <a:r>
+                        <a:rPr lang="en-US" altLang="zh-CN" dirty="0" smtClean="0"/>
+                        <a:t>1-thread CPU BFS</a:t>
+                      </a:r>
+                      <a:endParaRPr lang="zh-CN" altLang="en-US" dirty="0" smtClean="0"/>
                     </a:p>
                   </a:txBody>
                   <a:tcPr/>
@@ -8654,7 +9003,11 @@
                     <a:lstStyle/>
                     <a:p>
                       <a:pPr algn="ctr"/>
-                      <a:endParaRPr lang="zh-CN" altLang="en-US"/>
+                      <a:r>
+                        <a:rPr lang="en-US" altLang="zh-CN" dirty="0" smtClean="0"/>
+                        <a:t>236.763</a:t>
+                      </a:r>
+                      <a:endParaRPr lang="zh-CN" altLang="en-US" dirty="0"/>
                     </a:p>
                   </a:txBody>
                   <a:tcPr/>
@@ -8665,7 +9018,11 @@
                     <a:lstStyle/>
                     <a:p>
                       <a:pPr algn="ctr"/>
-                      <a:endParaRPr lang="zh-CN" altLang="en-US"/>
+                      <a:r>
+                        <a:rPr lang="en-US" altLang="zh-CN" dirty="0" smtClean="0"/>
+                        <a:t>395.694</a:t>
+                      </a:r>
+                      <a:endParaRPr lang="zh-CN" altLang="en-US" dirty="0"/>
                     </a:p>
                   </a:txBody>
                   <a:tcPr/>
@@ -8676,34 +9033,34 @@
                     <a:lstStyle/>
                     <a:p>
                       <a:pPr algn="ctr"/>
-                      <a:endParaRPr lang="zh-CN" altLang="en-US"/>
-                    </a:p>
-                  </a:txBody>
-                  <a:tcPr/>
-                </a:tc>
-                <a:tc>
-                  <a:txBody>
-                    <a:bodyPr/>
-                    <a:lstStyle/>
-                    <a:p>
-                      <a:pPr algn="ctr"/>
-                      <a:endParaRPr lang="zh-CN" altLang="en-US" dirty="0"/>
-                    </a:p>
-                  </a:txBody>
-                  <a:tcPr/>
-                </a:tc>
-                <a:tc>
-                  <a:txBody>
-                    <a:bodyPr/>
-                    <a:lstStyle/>
-                    <a:p>
-                      <a:pPr algn="ctr"/>
-                      <a:endParaRPr lang="zh-CN" altLang="en-US"/>
-                    </a:p>
-                  </a:txBody>
-                  <a:tcPr/>
-                </a:tc>
-                <a:tc>
+                      <a:endParaRPr lang="zh-CN" altLang="en-US" dirty="0"/>
+                    </a:p>
+                  </a:txBody>
+                  <a:tcPr/>
+                </a:tc>
+                <a:tc gridSpan="3" vMerge="1">
+                  <a:txBody>
+                    <a:bodyPr/>
+                    <a:lstStyle/>
+                    <a:p>
+                      <a:pPr algn="ctr"/>
+                      <a:endParaRPr lang="zh-CN" altLang="en-US" dirty="0"/>
+                    </a:p>
+                  </a:txBody>
+                  <a:tcPr/>
+                </a:tc>
+                <a:tc hMerge="1" vMerge="1">
+                  <a:txBody>
+                    <a:bodyPr/>
+                    <a:lstStyle/>
+                    <a:p>
+                      <a:pPr algn="ctr"/>
+                      <a:endParaRPr lang="zh-CN" altLang="en-US" dirty="0"/>
+                    </a:p>
+                  </a:txBody>
+                  <a:tcPr/>
+                </a:tc>
+                <a:tc hMerge="1" vMerge="1">
                   <a:txBody>
                     <a:bodyPr/>
                     <a:lstStyle/>
@@ -8726,74 +9083,102 @@
                     <a:bodyPr/>
                     <a:lstStyle/>
                     <a:p>
+                      <a:pPr marL="0" marR="0" indent="0" algn="ctr" defTabSz="914400" rtl="0" eaLnBrk="1" fontAlgn="auto" latinLnBrk="0" hangingPunct="1">
+                        <a:lnSpc>
+                          <a:spcPct val="100000"/>
+                        </a:lnSpc>
+                        <a:spcBef>
+                          <a:spcPts val="0"/>
+                        </a:spcBef>
+                        <a:spcAft>
+                          <a:spcPts val="0"/>
+                        </a:spcAft>
+                        <a:buClrTx/>
+                        <a:buSzTx/>
+                        <a:buFontTx/>
+                        <a:buNone/>
+                        <a:tabLst/>
+                        <a:defRPr/>
+                      </a:pPr>
+                      <a:r>
+                        <a:rPr lang="en-US" altLang="zh-CN" dirty="0" smtClean="0"/>
+                        <a:t>Speedup</a:t>
+                      </a:r>
+                      <a:endParaRPr lang="zh-CN" altLang="en-US" dirty="0" smtClean="0"/>
+                    </a:p>
+                  </a:txBody>
+                  <a:tcPr/>
+                </a:tc>
+                <a:tc>
+                  <a:txBody>
+                    <a:bodyPr/>
+                    <a:lstStyle/>
+                    <a:p>
+                      <a:pPr algn="ctr"/>
+                      <a:r>
+                        <a:rPr lang="en-US" altLang="zh-CN" dirty="0" smtClean="0"/>
+                        <a:t>2.532</a:t>
+                      </a:r>
+                      <a:endParaRPr lang="zh-CN" altLang="en-US" dirty="0"/>
+                    </a:p>
+                  </a:txBody>
+                  <a:tcPr/>
+                </a:tc>
+                <a:tc>
+                  <a:txBody>
+                    <a:bodyPr/>
+                    <a:lstStyle/>
+                    <a:p>
+                      <a:pPr algn="ctr"/>
+                      <a:r>
+                        <a:rPr lang="en-US" altLang="zh-CN" dirty="0" smtClean="0"/>
+                        <a:t>2.254</a:t>
+                      </a:r>
+                      <a:endParaRPr lang="zh-CN" altLang="en-US" dirty="0"/>
+                    </a:p>
+                  </a:txBody>
+                  <a:tcPr/>
+                </a:tc>
+                <a:tc>
+                  <a:txBody>
+                    <a:bodyPr/>
+                    <a:lstStyle/>
+                    <a:p>
                       <a:pPr algn="ctr"/>
                       <a:endParaRPr lang="zh-CN" altLang="en-US"/>
                     </a:p>
                   </a:txBody>
                   <a:tcPr/>
                 </a:tc>
-                <a:tc>
-                  <a:txBody>
-                    <a:bodyPr/>
-                    <a:lstStyle/>
-                    <a:p>
-                      <a:pPr algn="ctr"/>
-                      <a:endParaRPr lang="zh-CN" altLang="en-US"/>
-                    </a:p>
-                  </a:txBody>
-                  <a:tcPr/>
-                </a:tc>
-                <a:tc>
-                  <a:txBody>
-                    <a:bodyPr/>
-                    <a:lstStyle/>
-                    <a:p>
-                      <a:pPr algn="ctr"/>
-                      <a:endParaRPr lang="zh-CN" altLang="en-US"/>
-                    </a:p>
-                  </a:txBody>
-                  <a:tcPr/>
-                </a:tc>
-                <a:tc>
-                  <a:txBody>
-                    <a:bodyPr/>
-                    <a:lstStyle/>
-                    <a:p>
-                      <a:pPr algn="ctr"/>
-                      <a:endParaRPr lang="zh-CN" altLang="en-US"/>
-                    </a:p>
-                  </a:txBody>
-                  <a:tcPr/>
-                </a:tc>
-                <a:tc>
-                  <a:txBody>
-                    <a:bodyPr/>
-                    <a:lstStyle/>
-                    <a:p>
-                      <a:pPr algn="ctr"/>
-                      <a:endParaRPr lang="zh-CN" altLang="en-US" dirty="0"/>
-                    </a:p>
-                  </a:txBody>
-                  <a:tcPr/>
-                </a:tc>
-                <a:tc>
-                  <a:txBody>
-                    <a:bodyPr/>
-                    <a:lstStyle/>
-                    <a:p>
-                      <a:pPr algn="ctr"/>
-                      <a:endParaRPr lang="zh-CN" altLang="en-US" dirty="0"/>
-                    </a:p>
-                  </a:txBody>
-                  <a:tcPr/>
-                </a:tc>
-                <a:tc>
-                  <a:txBody>
-                    <a:bodyPr/>
-                    <a:lstStyle/>
-                    <a:p>
-                      <a:pPr algn="ctr"/>
-                      <a:endParaRPr lang="zh-CN" altLang="en-US"/>
+                <a:tc gridSpan="3" vMerge="1">
+                  <a:txBody>
+                    <a:bodyPr/>
+                    <a:lstStyle/>
+                    <a:p>
+                      <a:pPr algn="ctr"/>
+                      <a:endParaRPr lang="zh-CN" altLang="en-US" dirty="0"/>
+                    </a:p>
+                  </a:txBody>
+                  <a:tcPr/>
+                </a:tc>
+                <a:tc hMerge="1" vMerge="1">
+                  <a:txBody>
+                    <a:bodyPr/>
+                    <a:lstStyle/>
+                    <a:p>
+                      <a:pPr algn="ctr"/>
+                      <a:endParaRPr lang="zh-CN" altLang="en-US" dirty="0"/>
+                    </a:p>
+                  </a:txBody>
+                  <a:tcPr/>
+                </a:tc>
+                <a:tc hMerge="1" vMerge="1">
+                  <a:txBody>
+                    <a:bodyPr/>
+                    <a:lstStyle/>
+                    <a:p>
+                      <a:pPr algn="ctr"/>
+                      <a:endParaRPr lang="zh-CN" altLang="en-US" dirty="0"/>
                     </a:p>
                   </a:txBody>
                   <a:tcPr/>
@@ -8805,79 +9190,83 @@
                 </a:extLst>
               </a:tr>
               <a:tr h="370840">
-                <a:tc>
-                  <a:txBody>
-                    <a:bodyPr/>
-                    <a:lstStyle/>
-                    <a:p>
-                      <a:pPr algn="ctr"/>
-                      <a:endParaRPr lang="zh-CN" altLang="en-US"/>
-                    </a:p>
-                  </a:txBody>
-                  <a:tcPr/>
-                </a:tc>
-                <a:tc>
-                  <a:txBody>
-                    <a:bodyPr/>
-                    <a:lstStyle/>
-                    <a:p>
-                      <a:pPr algn="ctr"/>
-                      <a:endParaRPr lang="zh-CN" altLang="en-US"/>
-                    </a:p>
-                  </a:txBody>
-                  <a:tcPr/>
-                </a:tc>
-                <a:tc>
-                  <a:txBody>
-                    <a:bodyPr/>
-                    <a:lstStyle/>
-                    <a:p>
-                      <a:pPr algn="ctr"/>
-                      <a:endParaRPr lang="zh-CN" altLang="en-US"/>
-                    </a:p>
-                  </a:txBody>
-                  <a:tcPr/>
-                </a:tc>
-                <a:tc>
-                  <a:txBody>
-                    <a:bodyPr/>
-                    <a:lstStyle/>
-                    <a:p>
-                      <a:pPr algn="ctr"/>
-                      <a:endParaRPr lang="zh-CN" altLang="en-US"/>
-                    </a:p>
-                  </a:txBody>
-                  <a:tcPr/>
-                </a:tc>
-                <a:tc>
-                  <a:txBody>
-                    <a:bodyPr/>
-                    <a:lstStyle/>
-                    <a:p>
-                      <a:pPr algn="ctr"/>
-                      <a:endParaRPr lang="zh-CN" altLang="en-US"/>
-                    </a:p>
-                  </a:txBody>
-                  <a:tcPr/>
-                </a:tc>
-                <a:tc>
-                  <a:txBody>
-                    <a:bodyPr/>
-                    <a:lstStyle/>
-                    <a:p>
-                      <a:pPr algn="ctr"/>
-                      <a:endParaRPr lang="zh-CN" altLang="en-US" dirty="0"/>
-                    </a:p>
-                  </a:txBody>
-                  <a:tcPr/>
-                </a:tc>
-                <a:tc>
-                  <a:txBody>
-                    <a:bodyPr/>
-                    <a:lstStyle/>
-                    <a:p>
-                      <a:pPr algn="ctr"/>
-                      <a:endParaRPr lang="zh-CN" altLang="en-US"/>
+                <a:tc gridSpan="7">
+                  <a:txBody>
+                    <a:bodyPr/>
+                    <a:lstStyle/>
+                    <a:p>
+                      <a:pPr algn="l"/>
+                      <a:r>
+                        <a:rPr lang="en-US" altLang="zh-CN" b="1" dirty="0" smtClean="0"/>
+                        <a:t>Modular Detection</a:t>
+                      </a:r>
+                      <a:endParaRPr lang="zh-CN" altLang="en-US" b="1" dirty="0"/>
+                    </a:p>
+                  </a:txBody>
+                  <a:tcPr/>
+                </a:tc>
+                <a:tc hMerge="1">
+                  <a:txBody>
+                    <a:bodyPr/>
+                    <a:lstStyle/>
+                    <a:p>
+                      <a:pPr algn="ctr"/>
+                      <a:endParaRPr lang="zh-CN" altLang="en-US" dirty="0"/>
+                    </a:p>
+                  </a:txBody>
+                  <a:tcPr/>
+                </a:tc>
+                <a:tc hMerge="1">
+                  <a:txBody>
+                    <a:bodyPr/>
+                    <a:lstStyle/>
+                    <a:p>
+                      <a:pPr algn="ctr"/>
+                      <a:endParaRPr lang="zh-CN" altLang="en-US" dirty="0"/>
+                    </a:p>
+                  </a:txBody>
+                  <a:tcPr/>
+                </a:tc>
+                <a:tc hMerge="1">
+                  <a:txBody>
+                    <a:bodyPr/>
+                    <a:lstStyle/>
+                    <a:p>
+                      <a:pPr algn="ctr"/>
+                      <a:endParaRPr lang="zh-CN" altLang="en-US" dirty="0"/>
+                    </a:p>
+                  </a:txBody>
+                  <a:tcPr/>
+                </a:tc>
+                <a:tc hMerge="1">
+                  <a:txBody>
+                    <a:bodyPr/>
+                    <a:lstStyle/>
+                    <a:p>
+                      <a:pPr algn="ctr"/>
+                      <a:endParaRPr lang="zh-CN" altLang="en-US" dirty="0"/>
+                    </a:p>
+                  </a:txBody>
+                  <a:tcPr/>
+                </a:tc>
+                <a:tc hMerge="1">
+                  <a:txBody>
+                    <a:bodyPr/>
+                    <a:lstStyle/>
+                    <a:p>
+                      <a:pPr algn="ctr"/>
+                      <a:endParaRPr lang="zh-CN" altLang="en-US" dirty="0"/>
+                    </a:p>
+                  </a:txBody>
+                  <a:tcPr/>
+                </a:tc>
+                <a:tc hMerge="1">
+                  <a:txBody>
+                    <a:bodyPr/>
+                    <a:lstStyle/>
+                    <a:p>
+                      <a:pPr algn="ctr"/>
+                      <a:endParaRPr lang="zh-CN" altLang="en-US" dirty="0"/>
                     </a:p>
                   </a:txBody>
                   <a:tcPr/>
@@ -8895,76 +9284,112 @@
                     <a:lstStyle/>
                     <a:p>
                       <a:pPr algn="ctr"/>
+                      <a:r>
+                        <a:rPr lang="en-US" altLang="zh-CN" dirty="0" smtClean="0"/>
+                        <a:t>GPU</a:t>
+                      </a:r>
+                      <a:endParaRPr lang="zh-CN" altLang="en-US" dirty="0"/>
+                    </a:p>
+                  </a:txBody>
+                  <a:tcPr/>
+                </a:tc>
+                <a:tc>
+                  <a:txBody>
+                    <a:bodyPr/>
+                    <a:lstStyle/>
+                    <a:p>
+                      <a:pPr marL="0" marR="0" indent="0" algn="ctr" defTabSz="914400" rtl="0" eaLnBrk="1" fontAlgn="auto" latinLnBrk="0" hangingPunct="1">
+                        <a:lnSpc>
+                          <a:spcPct val="100000"/>
+                        </a:lnSpc>
+                        <a:spcBef>
+                          <a:spcPts val="0"/>
+                        </a:spcBef>
+                        <a:spcAft>
+                          <a:spcPts val="0"/>
+                        </a:spcAft>
+                        <a:buClrTx/>
+                        <a:buSzTx/>
+                        <a:buFontTx/>
+                        <a:buNone/>
+                        <a:tabLst/>
+                        <a:defRPr/>
+                      </a:pPr>
+                      <a:r>
+                        <a:rPr lang="en-US" altLang="zh-CN" dirty="0" smtClean="0"/>
+                        <a:t>106.298</a:t>
+                      </a:r>
+                      <a:endParaRPr lang="zh-CN" altLang="en-US" dirty="0" smtClean="0"/>
+                    </a:p>
+                  </a:txBody>
+                  <a:tcPr/>
+                </a:tc>
+                <a:tc>
+                  <a:txBody>
+                    <a:bodyPr/>
+                    <a:lstStyle/>
+                    <a:p>
+                      <a:pPr algn="ctr"/>
+                      <a:endParaRPr lang="zh-CN" altLang="en-US" dirty="0"/>
+                    </a:p>
+                  </a:txBody>
+                  <a:tcPr/>
+                </a:tc>
+                <a:tc>
+                  <a:txBody>
+                    <a:bodyPr/>
+                    <a:lstStyle/>
+                    <a:p>
+                      <a:pPr algn="ctr"/>
                       <a:endParaRPr lang="zh-CN" altLang="en-US"/>
                     </a:p>
                   </a:txBody>
                   <a:tcPr/>
                 </a:tc>
-                <a:tc>
-                  <a:txBody>
-                    <a:bodyPr/>
-                    <a:lstStyle/>
-                    <a:p>
-                      <a:pPr algn="ctr"/>
-                      <a:endParaRPr lang="zh-CN" altLang="en-US"/>
-                    </a:p>
-                  </a:txBody>
-                  <a:tcPr/>
-                </a:tc>
-                <a:tc>
-                  <a:txBody>
-                    <a:bodyPr/>
-                    <a:lstStyle/>
-                    <a:p>
-                      <a:pPr algn="ctr"/>
-                      <a:endParaRPr lang="zh-CN" altLang="en-US"/>
-                    </a:p>
-                  </a:txBody>
-                  <a:tcPr/>
-                </a:tc>
-                <a:tc>
-                  <a:txBody>
-                    <a:bodyPr/>
-                    <a:lstStyle/>
-                    <a:p>
-                      <a:pPr algn="ctr"/>
-                      <a:endParaRPr lang="zh-CN" altLang="en-US"/>
-                    </a:p>
-                  </a:txBody>
-                  <a:tcPr/>
-                </a:tc>
-                <a:tc>
-                  <a:txBody>
-                    <a:bodyPr/>
-                    <a:lstStyle/>
-                    <a:p>
-                      <a:pPr algn="ctr"/>
-                      <a:endParaRPr lang="zh-CN" altLang="en-US"/>
-                    </a:p>
-                  </a:txBody>
-                  <a:tcPr/>
-                </a:tc>
-                <a:tc>
-                  <a:txBody>
-                    <a:bodyPr/>
-                    <a:lstStyle/>
-                    <a:p>
-                      <a:pPr algn="ctr"/>
-                      <a:endParaRPr lang="zh-CN" altLang="en-US" dirty="0"/>
-                    </a:p>
-                  </a:txBody>
-                  <a:tcPr/>
-                </a:tc>
-                <a:tc>
-                  <a:txBody>
-                    <a:bodyPr/>
-                    <a:lstStyle/>
-                    <a:p>
-                      <a:pPr algn="ctr"/>
-                      <a:endParaRPr lang="zh-CN" altLang="en-US" dirty="0"/>
-                    </a:p>
-                  </a:txBody>
-                  <a:tcPr/>
+                <a:tc rowSpan="3">
+                  <a:txBody>
+                    <a:bodyPr/>
+                    <a:lstStyle/>
+                    <a:p>
+                      <a:pPr algn="ctr"/>
+                      <a:r>
+                        <a:rPr lang="en-US" altLang="zh-CN" dirty="0" smtClean="0"/>
+                        <a:t>47.1865</a:t>
+                      </a:r>
+                      <a:endParaRPr lang="zh-CN" altLang="en-US" dirty="0"/>
+                    </a:p>
+                  </a:txBody>
+                  <a:tcPr anchor="ctr"/>
+                </a:tc>
+                <a:tc rowSpan="3">
+                  <a:txBody>
+                    <a:bodyPr/>
+                    <a:lstStyle/>
+                    <a:p>
+                      <a:pPr algn="ctr"/>
+                      <a:r>
+                        <a:rPr lang="en-US" altLang="zh-CN" dirty="0" smtClean="0"/>
+                        <a:t>57.8658</a:t>
+                      </a:r>
+                      <a:endParaRPr lang="zh-CN" altLang="en-US" dirty="0"/>
+                    </a:p>
+                  </a:txBody>
+                  <a:tcPr anchor="ctr"/>
+                </a:tc>
+                <a:tc rowSpan="3">
+                  <a:txBody>
+                    <a:bodyPr/>
+                    <a:lstStyle/>
+                    <a:p>
+                      <a:pPr algn="ctr"/>
+                      <a:r>
+                        <a:rPr lang="en-US" altLang="zh-CN" dirty="0" smtClean="0"/>
+                        <a:t>66.5942</a:t>
+                      </a:r>
+                      <a:endParaRPr lang="zh-CN" altLang="en-US" dirty="0"/>
+                    </a:p>
+                  </a:txBody>
+                  <a:tcPr anchor="ctr"/>
                 </a:tc>
                 <a:extLst>
                   <a:ext uri="{0D108BD9-81ED-4DB2-BD59-A6C34878D82A}">
@@ -8979,7 +9404,11 @@
                     <a:lstStyle/>
                     <a:p>
                       <a:pPr algn="ctr"/>
-                      <a:endParaRPr lang="zh-CN" altLang="en-US"/>
+                      <a:r>
+                        <a:rPr lang="en-US" altLang="zh-CN" dirty="0" smtClean="0"/>
+                        <a:t>1-thread CPU</a:t>
+                      </a:r>
+                      <a:endParaRPr lang="zh-CN" altLang="en-US" dirty="0"/>
                     </a:p>
                   </a:txBody>
                   <a:tcPr/>
@@ -8989,8 +9418,28 @@
                     <a:bodyPr/>
                     <a:lstStyle/>
                     <a:p>
-                      <a:pPr algn="ctr"/>
-                      <a:endParaRPr lang="zh-CN" altLang="en-US"/>
+                      <a:pPr marL="0" marR="0" indent="0" algn="ctr" defTabSz="914400" rtl="0" eaLnBrk="1" fontAlgn="auto" latinLnBrk="0" hangingPunct="1">
+                        <a:lnSpc>
+                          <a:spcPct val="100000"/>
+                        </a:lnSpc>
+                        <a:spcBef>
+                          <a:spcPts val="0"/>
+                        </a:spcBef>
+                        <a:spcAft>
+                          <a:spcPts val="0"/>
+                        </a:spcAft>
+                        <a:buClrTx/>
+                        <a:buSzTx/>
+                        <a:buFontTx/>
+                        <a:buNone/>
+                        <a:tabLst/>
+                        <a:defRPr/>
+                      </a:pPr>
+                      <a:r>
+                        <a:rPr lang="en-US" altLang="zh-CN" dirty="0" smtClean="0"/>
+                        <a:t>414.963</a:t>
+                      </a:r>
+                      <a:endParaRPr lang="zh-CN" altLang="en-US" dirty="0" smtClean="0"/>
                     </a:p>
                   </a:txBody>
                   <a:tcPr/>
@@ -9001,7 +9450,7 @@
                     <a:lstStyle/>
                     <a:p>
                       <a:pPr algn="ctr"/>
-                      <a:endParaRPr lang="zh-CN" altLang="en-US"/>
+                      <a:endParaRPr lang="zh-CN" altLang="en-US" dirty="0"/>
                     </a:p>
                   </a:txBody>
                   <a:tcPr/>
@@ -9012,34 +9461,34 @@
                     <a:lstStyle/>
                     <a:p>
                       <a:pPr algn="ctr"/>
-                      <a:endParaRPr lang="zh-CN" altLang="en-US"/>
-                    </a:p>
-                  </a:txBody>
-                  <a:tcPr/>
-                </a:tc>
-                <a:tc>
-                  <a:txBody>
-                    <a:bodyPr/>
-                    <a:lstStyle/>
-                    <a:p>
-                      <a:pPr algn="ctr"/>
-                      <a:endParaRPr lang="zh-CN" altLang="en-US"/>
-                    </a:p>
-                  </a:txBody>
-                  <a:tcPr/>
-                </a:tc>
-                <a:tc>
-                  <a:txBody>
-                    <a:bodyPr/>
-                    <a:lstStyle/>
-                    <a:p>
-                      <a:pPr algn="ctr"/>
-                      <a:endParaRPr lang="zh-CN" altLang="en-US"/>
-                    </a:p>
-                  </a:txBody>
-                  <a:tcPr/>
-                </a:tc>
-                <a:tc>
+                      <a:endParaRPr lang="zh-CN" altLang="en-US" dirty="0"/>
+                    </a:p>
+                  </a:txBody>
+                  <a:tcPr/>
+                </a:tc>
+                <a:tc vMerge="1">
+                  <a:txBody>
+                    <a:bodyPr/>
+                    <a:lstStyle/>
+                    <a:p>
+                      <a:pPr algn="ctr"/>
+                      <a:endParaRPr lang="zh-CN" altLang="en-US" dirty="0"/>
+                    </a:p>
+                  </a:txBody>
+                  <a:tcPr/>
+                </a:tc>
+                <a:tc vMerge="1">
+                  <a:txBody>
+                    <a:bodyPr/>
+                    <a:lstStyle/>
+                    <a:p>
+                      <a:pPr algn="ctr"/>
+                      <a:endParaRPr lang="zh-CN" altLang="en-US" dirty="0"/>
+                    </a:p>
+                  </a:txBody>
+                  <a:tcPr/>
+                </a:tc>
+                <a:tc vMerge="1">
                   <a:txBody>
                     <a:bodyPr/>
                     <a:lstStyle/>
@@ -9056,14 +9505,18 @@
                   </a:ext>
                 </a:extLst>
               </a:tr>
-              <a:tr h="370840">
+              <a:tr h="0">
                 <a:tc>
                   <a:txBody>
                     <a:bodyPr/>
                     <a:lstStyle/>
                     <a:p>
                       <a:pPr algn="ctr"/>
-                      <a:endParaRPr lang="zh-CN" altLang="en-US"/>
+                      <a:r>
+                        <a:rPr lang="en-US" altLang="zh-CN" dirty="0" smtClean="0"/>
+                        <a:t>Speedup</a:t>
+                      </a:r>
+                      <a:endParaRPr lang="zh-CN" altLang="en-US" dirty="0"/>
                     </a:p>
                   </a:txBody>
                   <a:tcPr/>
@@ -9073,8 +9526,28 @@
                     <a:bodyPr/>
                     <a:lstStyle/>
                     <a:p>
-                      <a:pPr algn="ctr"/>
-                      <a:endParaRPr lang="zh-CN" altLang="en-US"/>
+                      <a:pPr marL="0" marR="0" indent="0" algn="ctr" defTabSz="914400" rtl="0" eaLnBrk="1" fontAlgn="auto" latinLnBrk="0" hangingPunct="1">
+                        <a:lnSpc>
+                          <a:spcPct val="100000"/>
+                        </a:lnSpc>
+                        <a:spcBef>
+                          <a:spcPts val="0"/>
+                        </a:spcBef>
+                        <a:spcAft>
+                          <a:spcPts val="0"/>
+                        </a:spcAft>
+                        <a:buClrTx/>
+                        <a:buSzTx/>
+                        <a:buFontTx/>
+                        <a:buNone/>
+                        <a:tabLst/>
+                        <a:defRPr/>
+                      </a:pPr>
+                      <a:r>
+                        <a:rPr lang="en-US" altLang="zh-CN" dirty="0" smtClean="0"/>
+                        <a:t>3.904</a:t>
+                      </a:r>
+                      <a:endParaRPr lang="zh-CN" altLang="en-US" dirty="0" smtClean="0"/>
                     </a:p>
                   </a:txBody>
                   <a:tcPr/>
@@ -9085,7 +9558,7 @@
                     <a:lstStyle/>
                     <a:p>
                       <a:pPr algn="ctr"/>
-                      <a:endParaRPr lang="zh-CN" altLang="en-US"/>
+                      <a:endParaRPr lang="zh-CN" altLang="en-US" dirty="0"/>
                     </a:p>
                   </a:txBody>
                   <a:tcPr/>
@@ -9096,34 +9569,34 @@
                     <a:lstStyle/>
                     <a:p>
                       <a:pPr algn="ctr"/>
-                      <a:endParaRPr lang="zh-CN" altLang="en-US"/>
-                    </a:p>
-                  </a:txBody>
-                  <a:tcPr/>
-                </a:tc>
-                <a:tc>
-                  <a:txBody>
-                    <a:bodyPr/>
-                    <a:lstStyle/>
-                    <a:p>
-                      <a:pPr algn="ctr"/>
-                      <a:endParaRPr lang="zh-CN" altLang="en-US"/>
-                    </a:p>
-                  </a:txBody>
-                  <a:tcPr/>
-                </a:tc>
-                <a:tc>
-                  <a:txBody>
-                    <a:bodyPr/>
-                    <a:lstStyle/>
-                    <a:p>
-                      <a:pPr algn="ctr"/>
-                      <a:endParaRPr lang="zh-CN" altLang="en-US"/>
-                    </a:p>
-                  </a:txBody>
-                  <a:tcPr/>
-                </a:tc>
-                <a:tc>
+                      <a:endParaRPr lang="zh-CN" altLang="en-US" dirty="0"/>
+                    </a:p>
+                  </a:txBody>
+                  <a:tcPr/>
+                </a:tc>
+                <a:tc vMerge="1">
+                  <a:txBody>
+                    <a:bodyPr/>
+                    <a:lstStyle/>
+                    <a:p>
+                      <a:pPr algn="ctr"/>
+                      <a:endParaRPr lang="zh-CN" altLang="en-US" dirty="0"/>
+                    </a:p>
+                  </a:txBody>
+                  <a:tcPr/>
+                </a:tc>
+                <a:tc vMerge="1">
+                  <a:txBody>
+                    <a:bodyPr/>
+                    <a:lstStyle/>
+                    <a:p>
+                      <a:pPr algn="ctr"/>
+                      <a:endParaRPr lang="zh-CN" altLang="en-US" dirty="0"/>
+                    </a:p>
+                  </a:txBody>
+                  <a:tcPr/>
+                </a:tc>
+                <a:tc vMerge="1">
                   <a:txBody>
                     <a:bodyPr/>
                     <a:lstStyle/>
@@ -9137,6 +9610,386 @@
                 <a:extLst>
                   <a:ext uri="{0D108BD9-81ED-4DB2-BD59-A6C34878D82A}">
                     <a16:rowId xmlns:a16="http://schemas.microsoft.com/office/drawing/2014/main" val="3862398304"/>
+                  </a:ext>
+                </a:extLst>
+              </a:tr>
+              <a:tr h="291592">
+                <a:tc gridSpan="7">
+                  <a:txBody>
+                    <a:bodyPr/>
+                    <a:lstStyle/>
+                    <a:p>
+                      <a:pPr marL="0" marR="0" indent="0" algn="l" defTabSz="914400" rtl="0" eaLnBrk="1" fontAlgn="auto" latinLnBrk="0" hangingPunct="1">
+                        <a:lnSpc>
+                          <a:spcPct val="100000"/>
+                        </a:lnSpc>
+                        <a:spcBef>
+                          <a:spcPts val="0"/>
+                        </a:spcBef>
+                        <a:spcAft>
+                          <a:spcPts val="0"/>
+                        </a:spcAft>
+                        <a:buClrTx/>
+                        <a:buSzTx/>
+                        <a:buFontTx/>
+                        <a:buNone/>
+                        <a:tabLst/>
+                        <a:defRPr/>
+                      </a:pPr>
+                      <a:r>
+                        <a:rPr lang="en-US" altLang="zh-CN" b="1" dirty="0" err="1" smtClean="0"/>
+                        <a:t>Betweenness</a:t>
+                      </a:r>
+                      <a:r>
+                        <a:rPr lang="en-US" altLang="zh-CN" b="1" baseline="0" dirty="0" smtClean="0"/>
+                        <a:t> </a:t>
+                      </a:r>
+                      <a:r>
+                        <a:rPr lang="en-US" altLang="zh-CN" b="1" dirty="0" smtClean="0"/>
+                        <a:t>Centrality</a:t>
+                      </a:r>
+                      <a:endParaRPr lang="zh-CN" altLang="en-US" b="1" dirty="0" smtClean="0"/>
+                    </a:p>
+                  </a:txBody>
+                  <a:tcPr/>
+                </a:tc>
+                <a:tc hMerge="1">
+                  <a:txBody>
+                    <a:bodyPr/>
+                    <a:lstStyle/>
+                    <a:p>
+                      <a:pPr algn="ctr"/>
+                      <a:endParaRPr lang="zh-CN" altLang="en-US" dirty="0"/>
+                    </a:p>
+                  </a:txBody>
+                  <a:tcPr/>
+                </a:tc>
+                <a:tc hMerge="1">
+                  <a:txBody>
+                    <a:bodyPr/>
+                    <a:lstStyle/>
+                    <a:p>
+                      <a:pPr algn="ctr"/>
+                      <a:endParaRPr lang="zh-CN" altLang="en-US" dirty="0"/>
+                    </a:p>
+                  </a:txBody>
+                  <a:tcPr/>
+                </a:tc>
+                <a:tc hMerge="1">
+                  <a:txBody>
+                    <a:bodyPr/>
+                    <a:lstStyle/>
+                    <a:p>
+                      <a:pPr algn="ctr"/>
+                      <a:endParaRPr lang="zh-CN" altLang="en-US" dirty="0"/>
+                    </a:p>
+                  </a:txBody>
+                  <a:tcPr/>
+                </a:tc>
+                <a:tc hMerge="1">
+                  <a:txBody>
+                    <a:bodyPr/>
+                    <a:lstStyle/>
+                    <a:p>
+                      <a:pPr algn="ctr"/>
+                      <a:endParaRPr lang="zh-CN" altLang="en-US" dirty="0"/>
+                    </a:p>
+                  </a:txBody>
+                  <a:tcPr/>
+                </a:tc>
+                <a:tc hMerge="1">
+                  <a:txBody>
+                    <a:bodyPr/>
+                    <a:lstStyle/>
+                    <a:p>
+                      <a:pPr algn="ctr"/>
+                      <a:endParaRPr lang="zh-CN" altLang="en-US" dirty="0"/>
+                    </a:p>
+                  </a:txBody>
+                  <a:tcPr/>
+                </a:tc>
+                <a:tc hMerge="1">
+                  <a:txBody>
+                    <a:bodyPr/>
+                    <a:lstStyle/>
+                    <a:p>
+                      <a:pPr algn="ctr"/>
+                      <a:endParaRPr lang="zh-CN" altLang="en-US" dirty="0"/>
+                    </a:p>
+                  </a:txBody>
+                  <a:tcPr/>
+                </a:tc>
+                <a:extLst>
+                  <a:ext uri="{0D108BD9-81ED-4DB2-BD59-A6C34878D82A}">
+                    <a16:rowId xmlns:a16="http://schemas.microsoft.com/office/drawing/2014/main" val="2835251423"/>
+                  </a:ext>
+                </a:extLst>
+              </a:tr>
+              <a:tr h="217424">
+                <a:tc>
+                  <a:txBody>
+                    <a:bodyPr/>
+                    <a:lstStyle/>
+                    <a:p>
+                      <a:pPr algn="ctr"/>
+                      <a:r>
+                        <a:rPr lang="en-US" altLang="zh-CN" dirty="0" smtClean="0"/>
+                        <a:t>GPU</a:t>
+                      </a:r>
+                      <a:endParaRPr lang="zh-CN" altLang="en-US" dirty="0"/>
+                    </a:p>
+                  </a:txBody>
+                  <a:tcPr/>
+                </a:tc>
+                <a:tc>
+                  <a:txBody>
+                    <a:bodyPr/>
+                    <a:lstStyle/>
+                    <a:p>
+                      <a:pPr algn="ctr"/>
+                      <a:endParaRPr lang="zh-CN" altLang="en-US" dirty="0"/>
+                    </a:p>
+                  </a:txBody>
+                  <a:tcPr/>
+                </a:tc>
+                <a:tc>
+                  <a:txBody>
+                    <a:bodyPr/>
+                    <a:lstStyle/>
+                    <a:p>
+                      <a:pPr algn="ctr"/>
+                      <a:endParaRPr lang="zh-CN" altLang="en-US" dirty="0"/>
+                    </a:p>
+                  </a:txBody>
+                  <a:tcPr/>
+                </a:tc>
+                <a:tc>
+                  <a:txBody>
+                    <a:bodyPr/>
+                    <a:lstStyle/>
+                    <a:p>
+                      <a:pPr algn="ctr"/>
+                      <a:endParaRPr lang="zh-CN" altLang="en-US" dirty="0"/>
+                    </a:p>
+                  </a:txBody>
+                  <a:tcPr/>
+                </a:tc>
+                <a:tc rowSpan="3" gridSpan="3">
+                  <a:txBody>
+                    <a:bodyPr/>
+                    <a:lstStyle/>
+                    <a:p>
+                      <a:pPr algn="ctr"/>
+                      <a:r>
+                        <a:rPr lang="en-US" altLang="zh-CN" sz="3200" dirty="0" smtClean="0"/>
+                        <a:t>\</a:t>
+                      </a:r>
+                      <a:endParaRPr lang="zh-CN" altLang="en-US" sz="3200" dirty="0"/>
+                    </a:p>
+                  </a:txBody>
+                  <a:tcPr anchor="ctr"/>
+                </a:tc>
+                <a:tc rowSpan="3" hMerge="1">
+                  <a:txBody>
+                    <a:bodyPr/>
+                    <a:lstStyle/>
+                    <a:p>
+                      <a:pPr algn="ctr"/>
+                      <a:endParaRPr lang="zh-CN" altLang="en-US" dirty="0"/>
+                    </a:p>
+                  </a:txBody>
+                  <a:tcPr/>
+                </a:tc>
+                <a:tc rowSpan="3" hMerge="1">
+                  <a:txBody>
+                    <a:bodyPr/>
+                    <a:lstStyle/>
+                    <a:p>
+                      <a:pPr algn="ctr"/>
+                      <a:endParaRPr lang="zh-CN" altLang="en-US" dirty="0"/>
+                    </a:p>
+                  </a:txBody>
+                  <a:tcPr/>
+                </a:tc>
+                <a:extLst>
+                  <a:ext uri="{0D108BD9-81ED-4DB2-BD59-A6C34878D82A}">
+                    <a16:rowId xmlns:a16="http://schemas.microsoft.com/office/drawing/2014/main" val="3993273958"/>
+                  </a:ext>
+                </a:extLst>
+              </a:tr>
+              <a:tr h="143256">
+                <a:tc>
+                  <a:txBody>
+                    <a:bodyPr/>
+                    <a:lstStyle/>
+                    <a:p>
+                      <a:pPr algn="ctr"/>
+                      <a:r>
+                        <a:rPr lang="en-US" altLang="zh-CN" dirty="0" smtClean="0"/>
+                        <a:t>1-thread CPU</a:t>
+                      </a:r>
+                      <a:endParaRPr lang="zh-CN" altLang="en-US" dirty="0"/>
+                    </a:p>
+                  </a:txBody>
+                  <a:tcPr/>
+                </a:tc>
+                <a:tc>
+                  <a:txBody>
+                    <a:bodyPr/>
+                    <a:lstStyle/>
+                    <a:p>
+                      <a:pPr algn="ctr"/>
+                      <a:endParaRPr lang="zh-CN" altLang="en-US" dirty="0"/>
+                    </a:p>
+                  </a:txBody>
+                  <a:tcPr/>
+                </a:tc>
+                <a:tc>
+                  <a:txBody>
+                    <a:bodyPr/>
+                    <a:lstStyle/>
+                    <a:p>
+                      <a:pPr algn="ctr"/>
+                      <a:endParaRPr lang="zh-CN" altLang="en-US" dirty="0"/>
+                    </a:p>
+                  </a:txBody>
+                  <a:tcPr/>
+                </a:tc>
+                <a:tc>
+                  <a:txBody>
+                    <a:bodyPr/>
+                    <a:lstStyle/>
+                    <a:p>
+                      <a:pPr algn="ctr"/>
+                      <a:endParaRPr lang="zh-CN" altLang="en-US" dirty="0"/>
+                    </a:p>
+                  </a:txBody>
+                  <a:tcPr/>
+                </a:tc>
+                <a:tc gridSpan="3" vMerge="1">
+                  <a:txBody>
+                    <a:bodyPr/>
+                    <a:lstStyle/>
+                    <a:p>
+                      <a:pPr algn="ctr"/>
+                      <a:endParaRPr lang="zh-CN" altLang="en-US" dirty="0"/>
+                    </a:p>
+                  </a:txBody>
+                  <a:tcPr/>
+                </a:tc>
+                <a:tc hMerge="1" vMerge="1">
+                  <a:txBody>
+                    <a:bodyPr/>
+                    <a:lstStyle/>
+                    <a:p>
+                      <a:pPr algn="ctr"/>
+                      <a:endParaRPr lang="zh-CN" altLang="en-US" dirty="0"/>
+                    </a:p>
+                  </a:txBody>
+                  <a:tcPr/>
+                </a:tc>
+                <a:tc hMerge="1" vMerge="1">
+                  <a:txBody>
+                    <a:bodyPr/>
+                    <a:lstStyle/>
+                    <a:p>
+                      <a:pPr algn="ctr"/>
+                      <a:endParaRPr lang="zh-CN" altLang="en-US" dirty="0"/>
+                    </a:p>
+                  </a:txBody>
+                  <a:tcPr/>
+                </a:tc>
+                <a:extLst>
+                  <a:ext uri="{0D108BD9-81ED-4DB2-BD59-A6C34878D82A}">
+                    <a16:rowId xmlns:a16="http://schemas.microsoft.com/office/drawing/2014/main" val="777410165"/>
+                  </a:ext>
+                </a:extLst>
+              </a:tr>
+              <a:tr h="0">
+                <a:tc>
+                  <a:txBody>
+                    <a:bodyPr/>
+                    <a:lstStyle/>
+                    <a:p>
+                      <a:pPr algn="ctr"/>
+                      <a:r>
+                        <a:rPr lang="en-US" altLang="zh-CN" dirty="0" smtClean="0"/>
+                        <a:t>Speedup</a:t>
+                      </a:r>
+                      <a:endParaRPr lang="zh-CN" altLang="en-US" dirty="0"/>
+                    </a:p>
+                  </a:txBody>
+                  <a:tcPr/>
+                </a:tc>
+                <a:tc>
+                  <a:txBody>
+                    <a:bodyPr/>
+                    <a:lstStyle/>
+                    <a:p>
+                      <a:pPr algn="ctr"/>
+                      <a:endParaRPr lang="zh-CN" altLang="en-US" dirty="0"/>
+                    </a:p>
+                  </a:txBody>
+                  <a:tcPr/>
+                </a:tc>
+                <a:tc>
+                  <a:txBody>
+                    <a:bodyPr/>
+                    <a:lstStyle/>
+                    <a:p>
+                      <a:pPr algn="ctr"/>
+                      <a:endParaRPr lang="zh-CN" altLang="en-US" dirty="0"/>
+                    </a:p>
+                  </a:txBody>
+                  <a:tcPr/>
+                </a:tc>
+                <a:tc>
+                  <a:txBody>
+                    <a:bodyPr/>
+                    <a:lstStyle/>
+                    <a:p>
+                      <a:pPr algn="ctr"/>
+                      <a:endParaRPr lang="zh-CN" altLang="en-US" dirty="0"/>
+                    </a:p>
+                  </a:txBody>
+                  <a:tcPr/>
+                </a:tc>
+                <a:tc gridSpan="3" vMerge="1">
+                  <a:txBody>
+                    <a:bodyPr/>
+                    <a:lstStyle/>
+                    <a:p>
+                      <a:pPr algn="ctr"/>
+                      <a:endParaRPr lang="zh-CN" altLang="en-US" dirty="0"/>
+                    </a:p>
+                  </a:txBody>
+                  <a:tcPr/>
+                </a:tc>
+                <a:tc hMerge="1" vMerge="1">
+                  <a:txBody>
+                    <a:bodyPr/>
+                    <a:lstStyle/>
+                    <a:p>
+                      <a:pPr algn="ctr"/>
+                      <a:endParaRPr lang="zh-CN" altLang="en-US" dirty="0"/>
+                    </a:p>
+                  </a:txBody>
+                  <a:tcPr/>
+                </a:tc>
+                <a:tc hMerge="1" vMerge="1">
+                  <a:txBody>
+                    <a:bodyPr/>
+                    <a:lstStyle/>
+                    <a:p>
+                      <a:pPr algn="ctr"/>
+                      <a:endParaRPr lang="zh-CN" altLang="en-US" dirty="0"/>
+                    </a:p>
+                  </a:txBody>
+                  <a:tcPr/>
+                </a:tc>
+                <a:extLst>
+                  <a:ext uri="{0D108BD9-81ED-4DB2-BD59-A6C34878D82A}">
+                    <a16:rowId xmlns:a16="http://schemas.microsoft.com/office/drawing/2014/main" val="1151328951"/>
                   </a:ext>
                 </a:extLst>
               </a:tr>

--- a/Fig.1.2.3.pptx
+++ b/Fig.1.2.3.pptx
@@ -6978,28 +6978,22 @@
       </p:grpSpPr>
       <p:pic>
         <p:nvPicPr>
-          <p:cNvPr id="4" name="图片 3"/>
+          <p:cNvPr id="2" name="图片 1"/>
           <p:cNvPicPr>
             <a:picLocks noChangeAspect="1"/>
           </p:cNvPicPr>
           <p:nvPr/>
         </p:nvPicPr>
         <p:blipFill>
-          <a:blip r:embed="rId2">
-            <a:extLst>
-              <a:ext uri="{28A0092B-C50C-407E-A947-70E740481C1C}">
-                <a14:useLocalDpi xmlns:a14="http://schemas.microsoft.com/office/drawing/2010/main" val="0"/>
-              </a:ext>
-            </a:extLst>
-          </a:blip>
+          <a:blip r:embed="rId2"/>
           <a:stretch>
             <a:fillRect/>
           </a:stretch>
         </p:blipFill>
         <p:spPr>
           <a:xfrm>
-            <a:off x="798810" y="0"/>
-            <a:ext cx="10594380" cy="6858000"/>
+            <a:off x="652965" y="139147"/>
+            <a:ext cx="10164296" cy="6579597"/>
           </a:xfrm>
           <a:prstGeom prst="rect">
             <a:avLst/>
@@ -7709,11 +7703,11 @@
   <p:clrMapOvr>
     <a:masterClrMapping/>
   </p:clrMapOvr>
-  <mc:AlternateContent xmlns:mc="http://schemas.openxmlformats.org/markup-compatibility/2006">
-    <mc:Choice xmlns:p14="http://schemas.microsoft.com/office/powerpoint/2010/main" Requires="p14">
+  <mc:AlternateContent xmlns:mc="http://schemas.openxmlformats.org/markup-compatibility/2006" xmlns:p14="http://schemas.microsoft.com/office/powerpoint/2010/main">
+    <mc:Choice Requires="p14">
       <p:transition spd="slow" p14:dur="2000"/>
     </mc:Choice>
-    <mc:Fallback>
+    <mc:Fallback xmlns="">
       <p:transition spd="slow"/>
     </mc:Fallback>
   </mc:AlternateContent>
@@ -7753,7 +7747,7 @@
           <p:nvPr>
             <p:extLst>
               <p:ext uri="{D42A27DB-BD31-4B8C-83A1-F6EECF244321}">
-                <p14:modId xmlns:p14="http://schemas.microsoft.com/office/powerpoint/2010/main" val="3058919901"/>
+                <p14:modId xmlns:p14="http://schemas.microsoft.com/office/powerpoint/2010/main" val="1227626602"/>
               </p:ext>
             </p:extLst>
           </p:nvPr>
@@ -9033,6 +9027,10 @@
                     <a:lstStyle/>
                     <a:p>
                       <a:pPr algn="ctr"/>
+                      <a:r>
+                        <a:rPr lang="en-US" altLang="zh-CN" dirty="0" smtClean="0"/>
+                        <a:t>554.712</a:t>
+                      </a:r>
                       <a:endParaRPr lang="zh-CN" altLang="en-US" dirty="0"/>
                     </a:p>
                   </a:txBody>
@@ -9145,7 +9143,11 @@
                     <a:lstStyle/>
                     <a:p>
                       <a:pPr algn="ctr"/>
-                      <a:endParaRPr lang="zh-CN" altLang="en-US"/>
+                      <a:r>
+                        <a:rPr lang="en-US" altLang="zh-CN" dirty="0" smtClean="0"/>
+                        <a:t>2.185</a:t>
+                      </a:r>
+                      <a:endParaRPr lang="zh-CN" altLang="en-US" dirty="0"/>
                     </a:p>
                   </a:txBody>
                   <a:tcPr/>
@@ -9317,7 +9319,7 @@
                       </a:pPr>
                       <a:r>
                         <a:rPr lang="en-US" altLang="zh-CN" dirty="0" smtClean="0"/>
-                        <a:t>106.298</a:t>
+                        <a:t>108.979</a:t>
                       </a:r>
                       <a:endParaRPr lang="zh-CN" altLang="en-US" dirty="0" smtClean="0"/>
                     </a:p>
@@ -9330,6 +9332,10 @@
                     <a:lstStyle/>
                     <a:p>
                       <a:pPr algn="ctr"/>
+                      <a:r>
+                        <a:rPr lang="en-US" altLang="zh-CN" dirty="0" smtClean="0"/>
+                        <a:t>308.444</a:t>
+                      </a:r>
                       <a:endParaRPr lang="zh-CN" altLang="en-US" dirty="0"/>
                     </a:p>
                   </a:txBody>
@@ -9341,7 +9347,11 @@
                     <a:lstStyle/>
                     <a:p>
                       <a:pPr algn="ctr"/>
-                      <a:endParaRPr lang="zh-CN" altLang="en-US"/>
+                      <a:r>
+                        <a:rPr lang="en-US" altLang="zh-CN" dirty="0" smtClean="0"/>
+                        <a:t>518.911</a:t>
+                      </a:r>
+                      <a:endParaRPr lang="zh-CN" altLang="en-US" dirty="0"/>
                     </a:p>
                   </a:txBody>
                   <a:tcPr/>
@@ -9418,28 +9428,12 @@
                     <a:bodyPr/>
                     <a:lstStyle/>
                     <a:p>
-                      <a:pPr marL="0" marR="0" indent="0" algn="ctr" defTabSz="914400" rtl="0" eaLnBrk="1" fontAlgn="auto" latinLnBrk="0" hangingPunct="1">
-                        <a:lnSpc>
-                          <a:spcPct val="100000"/>
-                        </a:lnSpc>
-                        <a:spcBef>
-                          <a:spcPts val="0"/>
-                        </a:spcBef>
-                        <a:spcAft>
-                          <a:spcPts val="0"/>
-                        </a:spcAft>
-                        <a:buClrTx/>
-                        <a:buSzTx/>
-                        <a:buFontTx/>
-                        <a:buNone/>
-                        <a:tabLst/>
-                        <a:defRPr/>
-                      </a:pPr>
+                      <a:pPr algn="ctr"/>
                       <a:r>
                         <a:rPr lang="en-US" altLang="zh-CN" dirty="0" smtClean="0"/>
-                        <a:t>414.963</a:t>
+                        <a:t>596.249</a:t>
                       </a:r>
-                      <a:endParaRPr lang="zh-CN" altLang="en-US" dirty="0" smtClean="0"/>
+                      <a:endParaRPr lang="zh-CN" altLang="en-US" dirty="0"/>
                     </a:p>
                   </a:txBody>
                   <a:tcPr/>
@@ -9450,6 +9444,10 @@
                     <a:lstStyle/>
                     <a:p>
                       <a:pPr algn="ctr"/>
+                      <a:r>
+                        <a:rPr lang="en-US" altLang="zh-CN" dirty="0" smtClean="0"/>
+                        <a:t>1093.03</a:t>
+                      </a:r>
                       <a:endParaRPr lang="zh-CN" altLang="en-US" dirty="0"/>
                     </a:p>
                   </a:txBody>
@@ -9461,6 +9459,10 @@
                     <a:lstStyle/>
                     <a:p>
                       <a:pPr algn="ctr"/>
+                      <a:r>
+                        <a:rPr lang="en-US" altLang="zh-CN" dirty="0" smtClean="0"/>
+                        <a:t>1741.51</a:t>
+                      </a:r>
                       <a:endParaRPr lang="zh-CN" altLang="en-US" dirty="0"/>
                     </a:p>
                   </a:txBody>
@@ -9558,6 +9560,10 @@
                     <a:lstStyle/>
                     <a:p>
                       <a:pPr algn="ctr"/>
+                      <a:r>
+                        <a:rPr lang="en-US" altLang="zh-CN" dirty="0" smtClean="0"/>
+                        <a:t>3.544</a:t>
+                      </a:r>
                       <a:endParaRPr lang="zh-CN" altLang="en-US" dirty="0"/>
                     </a:p>
                   </a:txBody>
@@ -9569,6 +9575,10 @@
                     <a:lstStyle/>
                     <a:p>
                       <a:pPr algn="ctr"/>
+                      <a:r>
+                        <a:rPr lang="en-US" altLang="zh-CN" dirty="0" smtClean="0"/>
+                        <a:t>3.356</a:t>
+                      </a:r>
                       <a:endParaRPr lang="zh-CN" altLang="en-US" dirty="0"/>
                     </a:p>
                   </a:txBody>
@@ -9747,6 +9757,10 @@
                     <a:lstStyle/>
                     <a:p>
                       <a:pPr algn="ctr"/>
+                      <a:r>
+                        <a:rPr lang="en-US" altLang="zh-CN" dirty="0" smtClean="0"/>
+                        <a:t>266.067</a:t>
+                      </a:r>
                       <a:endParaRPr lang="zh-CN" altLang="en-US" dirty="0"/>
                     </a:p>
                   </a:txBody>
@@ -9758,6 +9772,10 @@
                     <a:lstStyle/>
                     <a:p>
                       <a:pPr algn="ctr"/>
+                      <a:r>
+                        <a:rPr lang="en-US" altLang="zh-CN" dirty="0" smtClean="0"/>
+                        <a:t>553.251</a:t>
+                      </a:r>
                       <a:endParaRPr lang="zh-CN" altLang="en-US" dirty="0"/>
                     </a:p>
                   </a:txBody>
@@ -9769,6 +9787,10 @@
                     <a:lstStyle/>
                     <a:p>
                       <a:pPr algn="ctr"/>
+                      <a:r>
+                        <a:rPr lang="en-US" altLang="zh-CN" dirty="0" smtClean="0"/>
+                        <a:t>781.897</a:t>
+                      </a:r>
                       <a:endParaRPr lang="zh-CN" altLang="en-US" dirty="0"/>
                     </a:p>
                   </a:txBody>
@@ -9850,6 +9872,10 @@
                     <a:lstStyle/>
                     <a:p>
                       <a:pPr algn="ctr"/>
+                      <a:r>
+                        <a:rPr lang="en-US" altLang="zh-CN" dirty="0" smtClean="0"/>
+                        <a:t>1548.132</a:t>
+                      </a:r>
                       <a:endParaRPr lang="zh-CN" altLang="en-US" dirty="0"/>
                     </a:p>
                   </a:txBody>
@@ -9938,6 +9964,10 @@
                     <a:lstStyle/>
                     <a:p>
                       <a:pPr algn="ctr"/>
+                      <a:r>
+                        <a:rPr lang="en-US" altLang="zh-CN" dirty="0" smtClean="0"/>
+                        <a:t>2.798</a:t>
+                      </a:r>
                       <a:endParaRPr lang="zh-CN" altLang="en-US" dirty="0"/>
                     </a:p>
                   </a:txBody>
